--- a/Time Series Analysis Sean Kennedy.pptx
+++ b/Time Series Analysis Sean Kennedy.pptx
@@ -8,8 +8,10 @@
     <p:sldId id="256" r:id="rId2"/>
     <p:sldId id="257" r:id="rId3"/>
     <p:sldId id="258" r:id="rId4"/>
-    <p:sldId id="259" r:id="rId5"/>
-    <p:sldId id="260" r:id="rId6"/>
+    <p:sldId id="261" r:id="rId5"/>
+    <p:sldId id="262" r:id="rId6"/>
+    <p:sldId id="259" r:id="rId7"/>
+    <p:sldId id="260" r:id="rId8"/>
   </p:sldIdLst>
   <p:sldSz cx="12192000" cy="6858000"/>
   <p:notesSz cx="6858000" cy="9144000"/>
@@ -108,6 +110,11 @@
       </a:defRPr>
     </a:lvl9pPr>
   </p:defaultTextStyle>
+  <p:extLst>
+    <p:ext uri="{EFAFB233-063F-42B5-8137-9DF3F51BA10A}">
+      <p15:sldGuideLst xmlns:p15="http://schemas.microsoft.com/office/powerpoint/2012/main"/>
+    </p:ext>
+  </p:extLst>
 </p:presentation>
 </file>
 
@@ -161,7 +168,7 @@
           <a:noFill/>
           <a:extLst>
             <a:ext uri="{909E8E84-426E-40dd-AFC4-6F175D3DCCD1}">
-              <a14:hiddenFill xmlns:a14="http://schemas.microsoft.com/office/drawing/2010/main" xmlns="">
+              <a14:hiddenFill xmlns="" xmlns:a14="http://schemas.microsoft.com/office/drawing/2010/main">
                 <a:solidFill>
                   <a:srgbClr val="FFFFFF"/>
                 </a:solidFill>
@@ -221,7 +228,7 @@
             </a:ln>
             <a:extLst>
               <a:ext uri="{91240B29-F687-4f45-9708-019B960494DF}">
-                <a14:hiddenLine xmlns:a14="http://schemas.microsoft.com/office/drawing/2010/main" xmlns="" w="9525">
+                <a14:hiddenLine xmlns="" xmlns:a14="http://schemas.microsoft.com/office/drawing/2010/main" w="9525">
                   <a:solidFill>
                     <a:srgbClr val="000000"/>
                   </a:solidFill>
@@ -311,7 +318,7 @@
             </a:ln>
             <a:extLst>
               <a:ext uri="{91240B29-F687-4f45-9708-019B960494DF}">
-                <a14:hiddenLine xmlns:a14="http://schemas.microsoft.com/office/drawing/2010/main" xmlns="" w="9525">
+                <a14:hiddenLine xmlns="" xmlns:a14="http://schemas.microsoft.com/office/drawing/2010/main" w="9525">
                   <a:solidFill>
                     <a:srgbClr val="000000"/>
                   </a:solidFill>
@@ -401,7 +408,7 @@
             </a:ln>
             <a:extLst>
               <a:ext uri="{91240B29-F687-4f45-9708-019B960494DF}">
-                <a14:hiddenLine xmlns:a14="http://schemas.microsoft.com/office/drawing/2010/main" xmlns="" w="9525">
+                <a14:hiddenLine xmlns="" xmlns:a14="http://schemas.microsoft.com/office/drawing/2010/main" w="9525">
                   <a:solidFill>
                     <a:srgbClr val="000000"/>
                   </a:solidFill>
@@ -435,7 +442,7 @@
             </a:ln>
             <a:extLst>
               <a:ext uri="{91240B29-F687-4f45-9708-019B960494DF}">
-                <a14:hiddenLine xmlns:a14="http://schemas.microsoft.com/office/drawing/2010/main" xmlns="" w="9525">
+                <a14:hiddenLine xmlns="" xmlns:a14="http://schemas.microsoft.com/office/drawing/2010/main" w="9525">
                   <a:solidFill>
                     <a:srgbClr val="000000"/>
                   </a:solidFill>
@@ -525,7 +532,7 @@
             </a:ln>
             <a:extLst>
               <a:ext uri="{91240B29-F687-4f45-9708-019B960494DF}">
-                <a14:hiddenLine xmlns:a14="http://schemas.microsoft.com/office/drawing/2010/main" xmlns="" w="9525">
+                <a14:hiddenLine xmlns="" xmlns:a14="http://schemas.microsoft.com/office/drawing/2010/main" w="9525">
                   <a:solidFill>
                     <a:srgbClr val="000000"/>
                   </a:solidFill>
@@ -587,7 +594,7 @@
             </a:ln>
             <a:extLst>
               <a:ext uri="{91240B29-F687-4f45-9708-019B960494DF}">
-                <a14:hiddenLine xmlns:a14="http://schemas.microsoft.com/office/drawing/2010/main" xmlns="" w="9525">
+                <a14:hiddenLine xmlns="" xmlns:a14="http://schemas.microsoft.com/office/drawing/2010/main" w="9525">
                   <a:solidFill>
                     <a:srgbClr val="000000"/>
                   </a:solidFill>
@@ -649,7 +656,7 @@
             </a:ln>
             <a:extLst>
               <a:ext uri="{91240B29-F687-4f45-9708-019B960494DF}">
-                <a14:hiddenLine xmlns:a14="http://schemas.microsoft.com/office/drawing/2010/main" xmlns="" w="9525">
+                <a14:hiddenLine xmlns="" xmlns:a14="http://schemas.microsoft.com/office/drawing/2010/main" w="9525">
                   <a:solidFill>
                     <a:srgbClr val="000000"/>
                   </a:solidFill>
@@ -739,7 +746,7 @@
             </a:ln>
             <a:extLst>
               <a:ext uri="{91240B29-F687-4f45-9708-019B960494DF}">
-                <a14:hiddenLine xmlns:a14="http://schemas.microsoft.com/office/drawing/2010/main" xmlns="" w="9525">
+                <a14:hiddenLine xmlns="" xmlns:a14="http://schemas.microsoft.com/office/drawing/2010/main" w="9525">
                   <a:solidFill>
                     <a:srgbClr val="000000"/>
                   </a:solidFill>
@@ -801,7 +808,7 @@
             </a:ln>
             <a:extLst>
               <a:ext uri="{91240B29-F687-4f45-9708-019B960494DF}">
-                <a14:hiddenLine xmlns:a14="http://schemas.microsoft.com/office/drawing/2010/main" xmlns="" w="9525">
+                <a14:hiddenLine xmlns="" xmlns:a14="http://schemas.microsoft.com/office/drawing/2010/main" w="9525">
                   <a:solidFill>
                     <a:srgbClr val="000000"/>
                   </a:solidFill>
@@ -863,7 +870,7 @@
             </a:ln>
             <a:extLst>
               <a:ext uri="{91240B29-F687-4f45-9708-019B960494DF}">
-                <a14:hiddenLine xmlns:a14="http://schemas.microsoft.com/office/drawing/2010/main" xmlns="" w="9525">
+                <a14:hiddenLine xmlns="" xmlns:a14="http://schemas.microsoft.com/office/drawing/2010/main" w="9525">
                   <a:solidFill>
                     <a:srgbClr val="000000"/>
                   </a:solidFill>
@@ -953,7 +960,7 @@
             </a:ln>
             <a:extLst>
               <a:ext uri="{91240B29-F687-4f45-9708-019B960494DF}">
-                <a14:hiddenLine xmlns:a14="http://schemas.microsoft.com/office/drawing/2010/main" xmlns="" w="9525">
+                <a14:hiddenLine xmlns="" xmlns:a14="http://schemas.microsoft.com/office/drawing/2010/main" w="9525">
                   <a:solidFill>
                     <a:srgbClr val="000000"/>
                   </a:solidFill>
@@ -1043,7 +1050,7 @@
             </a:ln>
             <a:extLst>
               <a:ext uri="{91240B29-F687-4f45-9708-019B960494DF}">
-                <a14:hiddenLine xmlns:a14="http://schemas.microsoft.com/office/drawing/2010/main" xmlns="" w="9525">
+                <a14:hiddenLine xmlns="" xmlns:a14="http://schemas.microsoft.com/office/drawing/2010/main" w="9525">
                   <a:solidFill>
                     <a:srgbClr val="000000"/>
                   </a:solidFill>
@@ -1105,7 +1112,7 @@
             </a:ln>
             <a:extLst>
               <a:ext uri="{91240B29-F687-4f45-9708-019B960494DF}">
-                <a14:hiddenLine xmlns:a14="http://schemas.microsoft.com/office/drawing/2010/main" xmlns="" w="9525">
+                <a14:hiddenLine xmlns="" xmlns:a14="http://schemas.microsoft.com/office/drawing/2010/main" w="9525">
                   <a:solidFill>
                     <a:srgbClr val="000000"/>
                   </a:solidFill>
@@ -1215,7 +1222,7 @@
             </a:ln>
             <a:extLst>
               <a:ext uri="{91240B29-F687-4f45-9708-019B960494DF}">
-                <a14:hiddenLine xmlns:a14="http://schemas.microsoft.com/office/drawing/2010/main" xmlns="" w="9525">
+                <a14:hiddenLine xmlns="" xmlns:a14="http://schemas.microsoft.com/office/drawing/2010/main" w="9525">
                   <a:solidFill>
                     <a:srgbClr val="000000"/>
                   </a:solidFill>
@@ -1277,7 +1284,7 @@
             </a:ln>
             <a:extLst>
               <a:ext uri="{91240B29-F687-4f45-9708-019B960494DF}">
-                <a14:hiddenLine xmlns:a14="http://schemas.microsoft.com/office/drawing/2010/main" xmlns="" w="9525">
+                <a14:hiddenLine xmlns="" xmlns:a14="http://schemas.microsoft.com/office/drawing/2010/main" w="9525">
                   <a:solidFill>
                     <a:srgbClr val="000000"/>
                   </a:solidFill>
@@ -1367,7 +1374,7 @@
             </a:ln>
             <a:extLst>
               <a:ext uri="{91240B29-F687-4f45-9708-019B960494DF}">
-                <a14:hiddenLine xmlns:a14="http://schemas.microsoft.com/office/drawing/2010/main" xmlns="" w="9525">
+                <a14:hiddenLine xmlns="" xmlns:a14="http://schemas.microsoft.com/office/drawing/2010/main" w="9525">
                   <a:solidFill>
                     <a:srgbClr val="000000"/>
                   </a:solidFill>
@@ -1457,7 +1464,7 @@
             </a:ln>
             <a:extLst>
               <a:ext uri="{91240B29-F687-4f45-9708-019B960494DF}">
-                <a14:hiddenLine xmlns:a14="http://schemas.microsoft.com/office/drawing/2010/main" xmlns="" w="9525">
+                <a14:hiddenLine xmlns="" xmlns:a14="http://schemas.microsoft.com/office/drawing/2010/main" w="9525">
                   <a:solidFill>
                     <a:srgbClr val="000000"/>
                   </a:solidFill>
@@ -1519,7 +1526,7 @@
             </a:ln>
             <a:extLst>
               <a:ext uri="{91240B29-F687-4f45-9708-019B960494DF}">
-                <a14:hiddenLine xmlns:a14="http://schemas.microsoft.com/office/drawing/2010/main" xmlns="" w="9525">
+                <a14:hiddenLine xmlns="" xmlns:a14="http://schemas.microsoft.com/office/drawing/2010/main" w="9525">
                   <a:solidFill>
                     <a:srgbClr val="000000"/>
                   </a:solidFill>
@@ -1609,7 +1616,7 @@
             </a:ln>
             <a:extLst>
               <a:ext uri="{91240B29-F687-4f45-9708-019B960494DF}">
-                <a14:hiddenLine xmlns:a14="http://schemas.microsoft.com/office/drawing/2010/main" xmlns="" w="9525">
+                <a14:hiddenLine xmlns="" xmlns:a14="http://schemas.microsoft.com/office/drawing/2010/main" w="9525">
                   <a:solidFill>
                     <a:srgbClr val="000000"/>
                   </a:solidFill>
@@ -1699,7 +1706,7 @@
             </a:ln>
             <a:extLst>
               <a:ext uri="{91240B29-F687-4f45-9708-019B960494DF}">
-                <a14:hiddenLine xmlns:a14="http://schemas.microsoft.com/office/drawing/2010/main" xmlns="" w="9525">
+                <a14:hiddenLine xmlns="" xmlns:a14="http://schemas.microsoft.com/office/drawing/2010/main" w="9525">
                   <a:solidFill>
                     <a:srgbClr val="000000"/>
                   </a:solidFill>
@@ -1755,7 +1762,7 @@
             </a:ln>
             <a:extLst>
               <a:ext uri="{91240B29-F687-4f45-9708-019B960494DF}">
-                <a14:hiddenLine xmlns:a14="http://schemas.microsoft.com/office/drawing/2010/main" xmlns="" w="9525">
+                <a14:hiddenLine xmlns="" xmlns:a14="http://schemas.microsoft.com/office/drawing/2010/main" w="9525">
                   <a:solidFill>
                     <a:srgbClr val="000000"/>
                   </a:solidFill>
@@ -1845,7 +1852,7 @@
             </a:ln>
             <a:extLst>
               <a:ext uri="{91240B29-F687-4f45-9708-019B960494DF}">
-                <a14:hiddenLine xmlns:a14="http://schemas.microsoft.com/office/drawing/2010/main" xmlns="" w="9525">
+                <a14:hiddenLine xmlns="" xmlns:a14="http://schemas.microsoft.com/office/drawing/2010/main" w="9525">
                   <a:solidFill>
                     <a:srgbClr val="000000"/>
                   </a:solidFill>
@@ -1901,7 +1908,7 @@
             </a:ln>
             <a:extLst>
               <a:ext uri="{91240B29-F687-4f45-9708-019B960494DF}">
-                <a14:hiddenLine xmlns:a14="http://schemas.microsoft.com/office/drawing/2010/main" xmlns="" w="9525">
+                <a14:hiddenLine xmlns="" xmlns:a14="http://schemas.microsoft.com/office/drawing/2010/main" w="9525">
                   <a:solidFill>
                     <a:srgbClr val="000000"/>
                   </a:solidFill>
@@ -1991,7 +1998,7 @@
             </a:ln>
             <a:extLst>
               <a:ext uri="{91240B29-F687-4f45-9708-019B960494DF}">
-                <a14:hiddenLine xmlns:a14="http://schemas.microsoft.com/office/drawing/2010/main" xmlns="" w="9525">
+                <a14:hiddenLine xmlns="" xmlns:a14="http://schemas.microsoft.com/office/drawing/2010/main" w="9525">
                   <a:solidFill>
                     <a:srgbClr val="000000"/>
                   </a:solidFill>
@@ -2059,7 +2066,7 @@
             </a:ln>
             <a:extLst>
               <a:ext uri="{91240B29-F687-4f45-9708-019B960494DF}">
-                <a14:hiddenLine xmlns:a14="http://schemas.microsoft.com/office/drawing/2010/main" xmlns="" w="9525">
+                <a14:hiddenLine xmlns="" xmlns:a14="http://schemas.microsoft.com/office/drawing/2010/main" w="9525">
                   <a:solidFill>
                     <a:srgbClr val="000000"/>
                   </a:solidFill>
@@ -2149,7 +2156,7 @@
             </a:ln>
             <a:extLst>
               <a:ext uri="{91240B29-F687-4f45-9708-019B960494DF}">
-                <a14:hiddenLine xmlns:a14="http://schemas.microsoft.com/office/drawing/2010/main" xmlns="" w="9525">
+                <a14:hiddenLine xmlns="" xmlns:a14="http://schemas.microsoft.com/office/drawing/2010/main" w="9525">
                   <a:solidFill>
                     <a:srgbClr val="000000"/>
                   </a:solidFill>
@@ -2217,7 +2224,7 @@
             </a:ln>
             <a:extLst>
               <a:ext uri="{91240B29-F687-4f45-9708-019B960494DF}">
-                <a14:hiddenLine xmlns:a14="http://schemas.microsoft.com/office/drawing/2010/main" xmlns="" w="9525">
+                <a14:hiddenLine xmlns="" xmlns:a14="http://schemas.microsoft.com/office/drawing/2010/main" w="9525">
                   <a:solidFill>
                     <a:srgbClr val="000000"/>
                   </a:solidFill>
@@ -2307,7 +2314,7 @@
             </a:ln>
             <a:extLst>
               <a:ext uri="{91240B29-F687-4f45-9708-019B960494DF}">
-                <a14:hiddenLine xmlns:a14="http://schemas.microsoft.com/office/drawing/2010/main" xmlns="" w="9525">
+                <a14:hiddenLine xmlns="" xmlns:a14="http://schemas.microsoft.com/office/drawing/2010/main" w="9525">
                   <a:solidFill>
                     <a:srgbClr val="000000"/>
                   </a:solidFill>
@@ -2341,7 +2348,7 @@
             </a:ln>
             <a:extLst>
               <a:ext uri="{91240B29-F687-4f45-9708-019B960494DF}">
-                <a14:hiddenLine xmlns:a14="http://schemas.microsoft.com/office/drawing/2010/main" xmlns="" w="9525">
+                <a14:hiddenLine xmlns="" xmlns:a14="http://schemas.microsoft.com/office/drawing/2010/main" w="9525">
                   <a:solidFill>
                     <a:srgbClr val="000000"/>
                   </a:solidFill>
@@ -2431,7 +2438,7 @@
             </a:ln>
             <a:extLst>
               <a:ext uri="{91240B29-F687-4f45-9708-019B960494DF}">
-                <a14:hiddenLine xmlns:a14="http://schemas.microsoft.com/office/drawing/2010/main" xmlns="" w="9525">
+                <a14:hiddenLine xmlns="" xmlns:a14="http://schemas.microsoft.com/office/drawing/2010/main" w="9525">
                   <a:solidFill>
                     <a:srgbClr val="000000"/>
                   </a:solidFill>
@@ -2493,7 +2500,7 @@
             </a:ln>
             <a:extLst>
               <a:ext uri="{91240B29-F687-4f45-9708-019B960494DF}">
-                <a14:hiddenLine xmlns:a14="http://schemas.microsoft.com/office/drawing/2010/main" xmlns="" w="9525">
+                <a14:hiddenLine xmlns="" xmlns:a14="http://schemas.microsoft.com/office/drawing/2010/main" w="9525">
                   <a:solidFill>
                     <a:srgbClr val="000000"/>
                   </a:solidFill>
@@ -2555,7 +2562,7 @@
             </a:ln>
             <a:extLst>
               <a:ext uri="{91240B29-F687-4f45-9708-019B960494DF}">
-                <a14:hiddenLine xmlns:a14="http://schemas.microsoft.com/office/drawing/2010/main" xmlns="" w="9525">
+                <a14:hiddenLine xmlns="" xmlns:a14="http://schemas.microsoft.com/office/drawing/2010/main" w="9525">
                   <a:solidFill>
                     <a:srgbClr val="000000"/>
                   </a:solidFill>
@@ -2645,7 +2652,7 @@
             </a:ln>
             <a:extLst>
               <a:ext uri="{91240B29-F687-4f45-9708-019B960494DF}">
-                <a14:hiddenLine xmlns:a14="http://schemas.microsoft.com/office/drawing/2010/main" xmlns="" w="9525">
+                <a14:hiddenLine xmlns="" xmlns:a14="http://schemas.microsoft.com/office/drawing/2010/main" w="9525">
                   <a:solidFill>
                     <a:srgbClr val="000000"/>
                   </a:solidFill>
@@ -2713,7 +2720,7 @@
             </a:ln>
             <a:extLst>
               <a:ext uri="{91240B29-F687-4f45-9708-019B960494DF}">
-                <a14:hiddenLine xmlns:a14="http://schemas.microsoft.com/office/drawing/2010/main" xmlns="" w="9525">
+                <a14:hiddenLine xmlns="" xmlns:a14="http://schemas.microsoft.com/office/drawing/2010/main" w="9525">
                   <a:solidFill>
                     <a:srgbClr val="000000"/>
                   </a:solidFill>
@@ -2775,7 +2782,7 @@
             </a:ln>
             <a:extLst>
               <a:ext uri="{91240B29-F687-4f45-9708-019B960494DF}">
-                <a14:hiddenLine xmlns:a14="http://schemas.microsoft.com/office/drawing/2010/main" xmlns="" w="9525">
+                <a14:hiddenLine xmlns="" xmlns:a14="http://schemas.microsoft.com/office/drawing/2010/main" w="9525">
                   <a:solidFill>
                     <a:srgbClr val="000000"/>
                   </a:solidFill>
@@ -2865,7 +2872,7 @@
             </a:ln>
             <a:extLst>
               <a:ext uri="{91240B29-F687-4f45-9708-019B960494DF}">
-                <a14:hiddenLine xmlns:a14="http://schemas.microsoft.com/office/drawing/2010/main" xmlns="" w="9525">
+                <a14:hiddenLine xmlns="" xmlns:a14="http://schemas.microsoft.com/office/drawing/2010/main" w="9525">
                   <a:solidFill>
                     <a:srgbClr val="000000"/>
                   </a:solidFill>
@@ -2927,7 +2934,7 @@
             </a:ln>
             <a:extLst>
               <a:ext uri="{91240B29-F687-4f45-9708-019B960494DF}">
-                <a14:hiddenLine xmlns:a14="http://schemas.microsoft.com/office/drawing/2010/main" xmlns="" w="9525">
+                <a14:hiddenLine xmlns="" xmlns:a14="http://schemas.microsoft.com/office/drawing/2010/main" w="9525">
                   <a:solidFill>
                     <a:srgbClr val="000000"/>
                   </a:solidFill>
@@ -3017,7 +3024,7 @@
             </a:ln>
             <a:extLst>
               <a:ext uri="{91240B29-F687-4f45-9708-019B960494DF}">
-                <a14:hiddenLine xmlns:a14="http://schemas.microsoft.com/office/drawing/2010/main" xmlns="" w="9525">
+                <a14:hiddenLine xmlns="" xmlns:a14="http://schemas.microsoft.com/office/drawing/2010/main" w="9525">
                   <a:solidFill>
                     <a:srgbClr val="000000"/>
                   </a:solidFill>
@@ -3079,7 +3086,7 @@
             </a:ln>
             <a:extLst>
               <a:ext uri="{91240B29-F687-4f45-9708-019B960494DF}">
-                <a14:hiddenLine xmlns:a14="http://schemas.microsoft.com/office/drawing/2010/main" xmlns="" w="9525">
+                <a14:hiddenLine xmlns="" xmlns:a14="http://schemas.microsoft.com/office/drawing/2010/main" w="9525">
                   <a:solidFill>
                     <a:srgbClr val="000000"/>
                   </a:solidFill>
@@ -3169,7 +3176,7 @@
             </a:ln>
             <a:extLst>
               <a:ext uri="{91240B29-F687-4f45-9708-019B960494DF}">
-                <a14:hiddenLine xmlns:a14="http://schemas.microsoft.com/office/drawing/2010/main" xmlns="" w="9525">
+                <a14:hiddenLine xmlns="" xmlns:a14="http://schemas.microsoft.com/office/drawing/2010/main" w="9525">
                   <a:solidFill>
                     <a:srgbClr val="000000"/>
                   </a:solidFill>
@@ -3203,7 +3210,7 @@
             </a:ln>
             <a:extLst>
               <a:ext uri="{91240B29-F687-4f45-9708-019B960494DF}">
-                <a14:hiddenLine xmlns:a14="http://schemas.microsoft.com/office/drawing/2010/main" xmlns="" w="9525">
+                <a14:hiddenLine xmlns="" xmlns:a14="http://schemas.microsoft.com/office/drawing/2010/main" w="9525">
                   <a:solidFill>
                     <a:srgbClr val="000000"/>
                   </a:solidFill>
@@ -3268,7 +3275,7 @@
             </a:ln>
             <a:extLst>
               <a:ext uri="{91240B29-F687-4f45-9708-019B960494DF}">
-                <a14:hiddenLine xmlns:a14="http://schemas.microsoft.com/office/drawing/2010/main" xmlns="" w="9525">
+                <a14:hiddenLine xmlns="" xmlns:a14="http://schemas.microsoft.com/office/drawing/2010/main" w="9525">
                   <a:solidFill>
                     <a:srgbClr val="000000"/>
                   </a:solidFill>
@@ -3358,7 +3365,7 @@
             </a:ln>
             <a:extLst>
               <a:ext uri="{91240B29-F687-4f45-9708-019B960494DF}">
-                <a14:hiddenLine xmlns:a14="http://schemas.microsoft.com/office/drawing/2010/main" xmlns="" w="9525">
+                <a14:hiddenLine xmlns="" xmlns:a14="http://schemas.microsoft.com/office/drawing/2010/main" w="9525">
                   <a:solidFill>
                     <a:srgbClr val="000000"/>
                   </a:solidFill>
@@ -3420,7 +3427,7 @@
             </a:ln>
             <a:extLst>
               <a:ext uri="{91240B29-F687-4f45-9708-019B960494DF}">
-                <a14:hiddenLine xmlns:a14="http://schemas.microsoft.com/office/drawing/2010/main" xmlns="" w="9525">
+                <a14:hiddenLine xmlns="" xmlns:a14="http://schemas.microsoft.com/office/drawing/2010/main" w="9525">
                   <a:solidFill>
                     <a:srgbClr val="000000"/>
                   </a:solidFill>
@@ -3510,7 +3517,7 @@
             </a:ln>
             <a:extLst>
               <a:ext uri="{91240B29-F687-4f45-9708-019B960494DF}">
-                <a14:hiddenLine xmlns:a14="http://schemas.microsoft.com/office/drawing/2010/main" xmlns="" w="9525">
+                <a14:hiddenLine xmlns="" xmlns:a14="http://schemas.microsoft.com/office/drawing/2010/main" w="9525">
                   <a:solidFill>
                     <a:srgbClr val="000000"/>
                   </a:solidFill>
@@ -3600,7 +3607,7 @@
             </a:ln>
             <a:extLst>
               <a:ext uri="{91240B29-F687-4f45-9708-019B960494DF}">
-                <a14:hiddenLine xmlns:a14="http://schemas.microsoft.com/office/drawing/2010/main" xmlns="" w="9525">
+                <a14:hiddenLine xmlns="" xmlns:a14="http://schemas.microsoft.com/office/drawing/2010/main" w="9525">
                   <a:solidFill>
                     <a:srgbClr val="000000"/>
                   </a:solidFill>
@@ -3665,7 +3672,7 @@
             </a:ln>
             <a:extLst>
               <a:ext uri="{91240B29-F687-4f45-9708-019B960494DF}">
-                <a14:hiddenLine xmlns:a14="http://schemas.microsoft.com/office/drawing/2010/main" xmlns="" w="9525">
+                <a14:hiddenLine xmlns="" xmlns:a14="http://schemas.microsoft.com/office/drawing/2010/main" w="9525">
                   <a:solidFill>
                     <a:srgbClr val="000000"/>
                   </a:solidFill>
@@ -3727,7 +3734,7 @@
             </a:ln>
             <a:extLst>
               <a:ext uri="{91240B29-F687-4f45-9708-019B960494DF}">
-                <a14:hiddenLine xmlns:a14="http://schemas.microsoft.com/office/drawing/2010/main" xmlns="" w="9525">
+                <a14:hiddenLine xmlns="" xmlns:a14="http://schemas.microsoft.com/office/drawing/2010/main" w="9525">
                   <a:solidFill>
                     <a:srgbClr val="000000"/>
                   </a:solidFill>
@@ -3817,7 +3824,7 @@
             </a:ln>
             <a:extLst>
               <a:ext uri="{91240B29-F687-4f45-9708-019B960494DF}">
-                <a14:hiddenLine xmlns:a14="http://schemas.microsoft.com/office/drawing/2010/main" xmlns="" w="9525">
+                <a14:hiddenLine xmlns="" xmlns:a14="http://schemas.microsoft.com/office/drawing/2010/main" w="9525">
                   <a:solidFill>
                     <a:srgbClr val="000000"/>
                   </a:solidFill>
@@ -3907,7 +3914,7 @@
             </a:ln>
             <a:extLst>
               <a:ext uri="{91240B29-F687-4f45-9708-019B960494DF}">
-                <a14:hiddenLine xmlns:a14="http://schemas.microsoft.com/office/drawing/2010/main" xmlns="" w="9525">
+                <a14:hiddenLine xmlns="" xmlns:a14="http://schemas.microsoft.com/office/drawing/2010/main" w="9525">
                   <a:solidFill>
                     <a:srgbClr val="000000"/>
                   </a:solidFill>
@@ -3969,7 +3976,7 @@
             </a:ln>
             <a:extLst>
               <a:ext uri="{91240B29-F687-4f45-9708-019B960494DF}">
-                <a14:hiddenLine xmlns:a14="http://schemas.microsoft.com/office/drawing/2010/main" xmlns="" w="9525">
+                <a14:hiddenLine xmlns="" xmlns:a14="http://schemas.microsoft.com/office/drawing/2010/main" w="9525">
                   <a:solidFill>
                     <a:srgbClr val="000000"/>
                   </a:solidFill>
@@ -4089,7 +4096,7 @@
             </a:ln>
             <a:extLst>
               <a:ext uri="{91240B29-F687-4f45-9708-019B960494DF}">
-                <a14:hiddenLine xmlns:a14="http://schemas.microsoft.com/office/drawing/2010/main" xmlns="" w="9525">
+                <a14:hiddenLine xmlns="" xmlns:a14="http://schemas.microsoft.com/office/drawing/2010/main" w="9525">
                   <a:solidFill>
                     <a:srgbClr val="000000"/>
                   </a:solidFill>
@@ -4157,7 +4164,7 @@
             </a:ln>
             <a:extLst>
               <a:ext uri="{91240B29-F687-4f45-9708-019B960494DF}">
-                <a14:hiddenLine xmlns:a14="http://schemas.microsoft.com/office/drawing/2010/main" xmlns="" w="9525">
+                <a14:hiddenLine xmlns="" xmlns:a14="http://schemas.microsoft.com/office/drawing/2010/main" w="9525">
                   <a:solidFill>
                     <a:srgbClr val="000000"/>
                   </a:solidFill>
@@ -4247,7 +4254,7 @@
             </a:ln>
             <a:extLst>
               <a:ext uri="{91240B29-F687-4f45-9708-019B960494DF}">
-                <a14:hiddenLine xmlns:a14="http://schemas.microsoft.com/office/drawing/2010/main" xmlns="" w="9525">
+                <a14:hiddenLine xmlns="" xmlns:a14="http://schemas.microsoft.com/office/drawing/2010/main" w="9525">
                   <a:solidFill>
                     <a:srgbClr val="000000"/>
                   </a:solidFill>
@@ -4387,7 +4394,7 @@
           <a:p>
             <a:fld id="{48A87A34-81AB-432B-8DAE-1953F412C126}" type="datetimeFigureOut">
               <a:rPr lang="en-US" dirty="0"/>
-              <a:t>3/21/2020</a:t>
+              <a:t>4/11/2020</a:t>
             </a:fld>
             <a:endParaRPr lang="en-US" dirty="0"/>
           </a:p>
@@ -4649,7 +4656,7 @@
           <a:p>
             <a:fld id="{48A87A34-81AB-432B-8DAE-1953F412C126}" type="datetimeFigureOut">
               <a:rPr lang="en-US" dirty="0"/>
-              <a:t>3/21/2020</a:t>
+              <a:t>4/11/2020</a:t>
             </a:fld>
             <a:endParaRPr lang="en-US" dirty="0"/>
           </a:p>
@@ -4840,7 +4847,7 @@
           <a:p>
             <a:fld id="{48A87A34-81AB-432B-8DAE-1953F412C126}" type="datetimeFigureOut">
               <a:rPr lang="en-US" dirty="0"/>
-              <a:t>3/21/2020</a:t>
+              <a:t>4/11/2020</a:t>
             </a:fld>
             <a:endParaRPr lang="en-US" dirty="0"/>
           </a:p>
@@ -5098,7 +5105,7 @@
           <a:p>
             <a:fld id="{48A87A34-81AB-432B-8DAE-1953F412C126}" type="datetimeFigureOut">
               <a:rPr lang="en-US" dirty="0"/>
-              <a:t>3/21/2020</a:t>
+              <a:t>4/11/2020</a:t>
             </a:fld>
             <a:endParaRPr lang="en-US" dirty="0"/>
           </a:p>
@@ -5527,7 +5534,7 @@
           <a:p>
             <a:fld id="{48A87A34-81AB-432B-8DAE-1953F412C126}" type="datetimeFigureOut">
               <a:rPr lang="en-US" dirty="0"/>
-              <a:t>3/21/2020</a:t>
+              <a:t>4/11/2020</a:t>
             </a:fld>
             <a:endParaRPr lang="en-US" dirty="0"/>
           </a:p>
@@ -6068,7 +6075,7 @@
           <a:p>
             <a:fld id="{48A87A34-81AB-432B-8DAE-1953F412C126}" type="datetimeFigureOut">
               <a:rPr lang="en-US" dirty="0"/>
-              <a:t>3/21/2020</a:t>
+              <a:t>4/11/2020</a:t>
             </a:fld>
             <a:endParaRPr lang="en-US" dirty="0"/>
           </a:p>
@@ -6783,7 +6790,7 @@
           <a:p>
             <a:fld id="{48A87A34-81AB-432B-8DAE-1953F412C126}" type="datetimeFigureOut">
               <a:rPr lang="en-US" dirty="0"/>
-              <a:t>3/21/2020</a:t>
+              <a:t>4/11/2020</a:t>
             </a:fld>
             <a:endParaRPr lang="en-US" dirty="0"/>
           </a:p>
@@ -6948,7 +6955,7 @@
           <a:p>
             <a:fld id="{48A87A34-81AB-432B-8DAE-1953F412C126}" type="datetimeFigureOut">
               <a:rPr lang="en-US" dirty="0"/>
-              <a:t>3/21/2020</a:t>
+              <a:t>4/11/2020</a:t>
             </a:fld>
             <a:endParaRPr lang="en-US" dirty="0"/>
           </a:p>
@@ -7123,7 +7130,7 @@
           <a:p>
             <a:fld id="{48A87A34-81AB-432B-8DAE-1953F412C126}" type="datetimeFigureOut">
               <a:rPr lang="en-US" dirty="0"/>
-              <a:t>3/21/2020</a:t>
+              <a:t>4/11/2020</a:t>
             </a:fld>
             <a:endParaRPr lang="en-US" dirty="0"/>
           </a:p>
@@ -7288,7 +7295,7 @@
           <a:p>
             <a:fld id="{48A87A34-81AB-432B-8DAE-1953F412C126}" type="datetimeFigureOut">
               <a:rPr lang="en-US" dirty="0"/>
-              <a:t>3/21/2020</a:t>
+              <a:t>4/11/2020</a:t>
             </a:fld>
             <a:endParaRPr lang="en-US" dirty="0"/>
           </a:p>
@@ -7533,7 +7540,7 @@
           <a:p>
             <a:fld id="{48A87A34-81AB-432B-8DAE-1953F412C126}" type="datetimeFigureOut">
               <a:rPr lang="en-US" dirty="0"/>
-              <a:t>3/21/2020</a:t>
+              <a:t>4/11/2020</a:t>
             </a:fld>
             <a:endParaRPr lang="en-US" dirty="0"/>
           </a:p>
@@ -7760,7 +7767,7 @@
           <a:p>
             <a:fld id="{48A87A34-81AB-432B-8DAE-1953F412C126}" type="datetimeFigureOut">
               <a:rPr lang="en-US" dirty="0"/>
-              <a:t>3/21/2020</a:t>
+              <a:t>4/11/2020</a:t>
             </a:fld>
             <a:endParaRPr lang="en-US" dirty="0"/>
           </a:p>
@@ -8136,7 +8143,7 @@
           <a:p>
             <a:fld id="{48A87A34-81AB-432B-8DAE-1953F412C126}" type="datetimeFigureOut">
               <a:rPr lang="en-US" dirty="0"/>
-              <a:t>3/21/2020</a:t>
+              <a:t>4/11/2020</a:t>
             </a:fld>
             <a:endParaRPr lang="en-US" dirty="0"/>
           </a:p>
@@ -8249,7 +8256,7 @@
           <a:p>
             <a:fld id="{48A87A34-81AB-432B-8DAE-1953F412C126}" type="datetimeFigureOut">
               <a:rPr lang="en-US" dirty="0"/>
-              <a:t>3/21/2020</a:t>
+              <a:t>4/11/2020</a:t>
             </a:fld>
             <a:endParaRPr lang="en-US" dirty="0"/>
           </a:p>
@@ -8339,7 +8346,7 @@
           <a:p>
             <a:fld id="{48A87A34-81AB-432B-8DAE-1953F412C126}" type="datetimeFigureOut">
               <a:rPr lang="en-US" dirty="0"/>
-              <a:t>3/21/2020</a:t>
+              <a:t>4/11/2020</a:t>
             </a:fld>
             <a:endParaRPr lang="en-US" dirty="0"/>
           </a:p>
@@ -8583,7 +8590,7 @@
           <a:p>
             <a:fld id="{48A87A34-81AB-432B-8DAE-1953F412C126}" type="datetimeFigureOut">
               <a:rPr lang="en-US" dirty="0"/>
-              <a:t>3/21/2020</a:t>
+              <a:t>4/11/2020</a:t>
             </a:fld>
             <a:endParaRPr lang="en-US" dirty="0"/>
           </a:p>
@@ -8858,7 +8865,7 @@
           <a:p>
             <a:fld id="{48A87A34-81AB-432B-8DAE-1953F412C126}" type="datetimeFigureOut">
               <a:rPr lang="en-US" dirty="0"/>
-              <a:t>3/21/2020</a:t>
+              <a:t>4/11/2020</a:t>
             </a:fld>
             <a:endParaRPr lang="en-US" dirty="0"/>
           </a:p>
@@ -8969,7 +8976,7 @@
           <a:noFill/>
           <a:extLst>
             <a:ext uri="{909E8E84-426E-40dd-AFC4-6F175D3DCCD1}">
-              <a14:hiddenFill xmlns:a14="http://schemas.microsoft.com/office/drawing/2010/main" xmlns="">
+              <a14:hiddenFill xmlns="" xmlns:a14="http://schemas.microsoft.com/office/drawing/2010/main">
                 <a:solidFill>
                   <a:srgbClr val="FFFFFF"/>
                 </a:solidFill>
@@ -9043,7 +9050,7 @@
               </a:ln>
               <a:extLst>
                 <a:ext uri="{91240B29-F687-4f45-9708-019B960494DF}">
-                  <a14:hiddenLine xmlns:a14="http://schemas.microsoft.com/office/drawing/2010/main" xmlns="" w="9525">
+                  <a14:hiddenLine xmlns="" xmlns:a14="http://schemas.microsoft.com/office/drawing/2010/main" w="9525">
                     <a:solidFill>
                       <a:srgbClr val="000000"/>
                     </a:solidFill>
@@ -9133,7 +9140,7 @@
               </a:ln>
               <a:extLst>
                 <a:ext uri="{91240B29-F687-4f45-9708-019B960494DF}">
-                  <a14:hiddenLine xmlns:a14="http://schemas.microsoft.com/office/drawing/2010/main" xmlns="" w="9525">
+                  <a14:hiddenLine xmlns="" xmlns:a14="http://schemas.microsoft.com/office/drawing/2010/main" w="9525">
                     <a:solidFill>
                       <a:srgbClr val="000000"/>
                     </a:solidFill>
@@ -9223,7 +9230,7 @@
               </a:ln>
               <a:extLst>
                 <a:ext uri="{91240B29-F687-4f45-9708-019B960494DF}">
-                  <a14:hiddenLine xmlns:a14="http://schemas.microsoft.com/office/drawing/2010/main" xmlns="" w="9525">
+                  <a14:hiddenLine xmlns="" xmlns:a14="http://schemas.microsoft.com/office/drawing/2010/main" w="9525">
                     <a:solidFill>
                       <a:srgbClr val="000000"/>
                     </a:solidFill>
@@ -9285,7 +9292,7 @@
               </a:ln>
               <a:extLst>
                 <a:ext uri="{91240B29-F687-4f45-9708-019B960494DF}">
-                  <a14:hiddenLine xmlns:a14="http://schemas.microsoft.com/office/drawing/2010/main" xmlns="" w="9525">
+                  <a14:hiddenLine xmlns="" xmlns:a14="http://schemas.microsoft.com/office/drawing/2010/main" w="9525">
                     <a:solidFill>
                       <a:srgbClr val="000000"/>
                     </a:solidFill>
@@ -9375,7 +9382,7 @@
               </a:ln>
               <a:extLst>
                 <a:ext uri="{91240B29-F687-4f45-9708-019B960494DF}">
-                  <a14:hiddenLine xmlns:a14="http://schemas.microsoft.com/office/drawing/2010/main" xmlns="" w="9525">
+                  <a14:hiddenLine xmlns="" xmlns:a14="http://schemas.microsoft.com/office/drawing/2010/main" w="9525">
                     <a:solidFill>
                       <a:srgbClr val="000000"/>
                     </a:solidFill>
@@ -9437,7 +9444,7 @@
               </a:ln>
               <a:extLst>
                 <a:ext uri="{91240B29-F687-4f45-9708-019B960494DF}">
-                  <a14:hiddenLine xmlns:a14="http://schemas.microsoft.com/office/drawing/2010/main" xmlns="" w="9525">
+                  <a14:hiddenLine xmlns="" xmlns:a14="http://schemas.microsoft.com/office/drawing/2010/main" w="9525">
                     <a:solidFill>
                       <a:srgbClr val="000000"/>
                     </a:solidFill>
@@ -9499,7 +9506,7 @@
               </a:ln>
               <a:extLst>
                 <a:ext uri="{91240B29-F687-4f45-9708-019B960494DF}">
-                  <a14:hiddenLine xmlns:a14="http://schemas.microsoft.com/office/drawing/2010/main" xmlns="" w="9525">
+                  <a14:hiddenLine xmlns="" xmlns:a14="http://schemas.microsoft.com/office/drawing/2010/main" w="9525">
                     <a:solidFill>
                       <a:srgbClr val="000000"/>
                     </a:solidFill>
@@ -9589,7 +9596,7 @@
               </a:ln>
               <a:extLst>
                 <a:ext uri="{91240B29-F687-4f45-9708-019B960494DF}">
-                  <a14:hiddenLine xmlns:a14="http://schemas.microsoft.com/office/drawing/2010/main" xmlns="" w="9525">
+                  <a14:hiddenLine xmlns="" xmlns:a14="http://schemas.microsoft.com/office/drawing/2010/main" w="9525">
                     <a:solidFill>
                       <a:srgbClr val="000000"/>
                     </a:solidFill>
@@ -9679,7 +9686,7 @@
               </a:ln>
               <a:extLst>
                 <a:ext uri="{91240B29-F687-4f45-9708-019B960494DF}">
-                  <a14:hiddenLine xmlns:a14="http://schemas.microsoft.com/office/drawing/2010/main" xmlns="" w="9525">
+                  <a14:hiddenLine xmlns="" xmlns:a14="http://schemas.microsoft.com/office/drawing/2010/main" w="9525">
                     <a:solidFill>
                       <a:srgbClr val="000000"/>
                     </a:solidFill>
@@ -9741,7 +9748,7 @@
               </a:ln>
               <a:extLst>
                 <a:ext uri="{91240B29-F687-4f45-9708-019B960494DF}">
-                  <a14:hiddenLine xmlns:a14="http://schemas.microsoft.com/office/drawing/2010/main" xmlns="" w="9525">
+                  <a14:hiddenLine xmlns="" xmlns:a14="http://schemas.microsoft.com/office/drawing/2010/main" w="9525">
                     <a:solidFill>
                       <a:srgbClr val="000000"/>
                     </a:solidFill>
@@ -9851,7 +9858,7 @@
               </a:ln>
               <a:extLst>
                 <a:ext uri="{91240B29-F687-4f45-9708-019B960494DF}">
-                  <a14:hiddenLine xmlns:a14="http://schemas.microsoft.com/office/drawing/2010/main" xmlns="" w="9525">
+                  <a14:hiddenLine xmlns="" xmlns:a14="http://schemas.microsoft.com/office/drawing/2010/main" w="9525">
                     <a:solidFill>
                       <a:srgbClr val="000000"/>
                     </a:solidFill>
@@ -9935,7 +9942,7 @@
               </a:ln>
               <a:extLst>
                 <a:ext uri="{91240B29-F687-4f45-9708-019B960494DF}">
-                  <a14:hiddenLine xmlns:a14="http://schemas.microsoft.com/office/drawing/2010/main" xmlns="" w="9525">
+                  <a14:hiddenLine xmlns="" xmlns:a14="http://schemas.microsoft.com/office/drawing/2010/main" w="9525">
                     <a:solidFill>
                       <a:srgbClr val="000000"/>
                     </a:solidFill>
@@ -9997,7 +10004,7 @@
               </a:ln>
               <a:extLst>
                 <a:ext uri="{91240B29-F687-4f45-9708-019B960494DF}">
-                  <a14:hiddenLine xmlns:a14="http://schemas.microsoft.com/office/drawing/2010/main" xmlns="" w="9525">
+                  <a14:hiddenLine xmlns="" xmlns:a14="http://schemas.microsoft.com/office/drawing/2010/main" w="9525">
                     <a:solidFill>
                       <a:srgbClr val="000000"/>
                     </a:solidFill>
@@ -10059,7 +10066,7 @@
               </a:ln>
               <a:extLst>
                 <a:ext uri="{91240B29-F687-4f45-9708-019B960494DF}">
-                  <a14:hiddenLine xmlns:a14="http://schemas.microsoft.com/office/drawing/2010/main" xmlns="" w="9525">
+                  <a14:hiddenLine xmlns="" xmlns:a14="http://schemas.microsoft.com/office/drawing/2010/main" w="9525">
                     <a:solidFill>
                       <a:srgbClr val="000000"/>
                     </a:solidFill>
@@ -10149,7 +10156,7 @@
               </a:ln>
               <a:extLst>
                 <a:ext uri="{91240B29-F687-4f45-9708-019B960494DF}">
-                  <a14:hiddenLine xmlns:a14="http://schemas.microsoft.com/office/drawing/2010/main" xmlns="" w="9525">
+                  <a14:hiddenLine xmlns="" xmlns:a14="http://schemas.microsoft.com/office/drawing/2010/main" w="9525">
                     <a:solidFill>
                       <a:srgbClr val="000000"/>
                     </a:solidFill>
@@ -10183,7 +10190,7 @@
               </a:ln>
               <a:extLst>
                 <a:ext uri="{91240B29-F687-4f45-9708-019B960494DF}">
-                  <a14:hiddenLine xmlns:a14="http://schemas.microsoft.com/office/drawing/2010/main" xmlns="" w="9525">
+                  <a14:hiddenLine xmlns="" xmlns:a14="http://schemas.microsoft.com/office/drawing/2010/main" w="9525">
                     <a:solidFill>
                       <a:srgbClr val="000000"/>
                     </a:solidFill>
@@ -10248,7 +10255,7 @@
               </a:ln>
               <a:extLst>
                 <a:ext uri="{91240B29-F687-4f45-9708-019B960494DF}">
-                  <a14:hiddenLine xmlns:a14="http://schemas.microsoft.com/office/drawing/2010/main" xmlns="" w="9525">
+                  <a14:hiddenLine xmlns="" xmlns:a14="http://schemas.microsoft.com/office/drawing/2010/main" w="9525">
                     <a:solidFill>
                       <a:srgbClr val="000000"/>
                     </a:solidFill>
@@ -10338,7 +10345,7 @@
               </a:ln>
               <a:extLst>
                 <a:ext uri="{91240B29-F687-4f45-9708-019B960494DF}">
-                  <a14:hiddenLine xmlns:a14="http://schemas.microsoft.com/office/drawing/2010/main" xmlns="" w="9525">
+                  <a14:hiddenLine xmlns="" xmlns:a14="http://schemas.microsoft.com/office/drawing/2010/main" w="9525">
                     <a:solidFill>
                       <a:srgbClr val="000000"/>
                     </a:solidFill>
@@ -10400,7 +10407,7 @@
               </a:ln>
               <a:extLst>
                 <a:ext uri="{91240B29-F687-4f45-9708-019B960494DF}">
-                  <a14:hiddenLine xmlns:a14="http://schemas.microsoft.com/office/drawing/2010/main" xmlns="" w="9525">
+                  <a14:hiddenLine xmlns="" xmlns:a14="http://schemas.microsoft.com/office/drawing/2010/main" w="9525">
                     <a:solidFill>
                       <a:srgbClr val="000000"/>
                     </a:solidFill>
@@ -10490,7 +10497,7 @@
               </a:ln>
               <a:extLst>
                 <a:ext uri="{91240B29-F687-4f45-9708-019B960494DF}">
-                  <a14:hiddenLine xmlns:a14="http://schemas.microsoft.com/office/drawing/2010/main" xmlns="" w="9525">
+                  <a14:hiddenLine xmlns="" xmlns:a14="http://schemas.microsoft.com/office/drawing/2010/main" w="9525">
                     <a:solidFill>
                       <a:srgbClr val="000000"/>
                     </a:solidFill>
@@ -10555,7 +10562,7 @@
               </a:ln>
               <a:extLst>
                 <a:ext uri="{91240B29-F687-4f45-9708-019B960494DF}">
-                  <a14:hiddenLine xmlns:a14="http://schemas.microsoft.com/office/drawing/2010/main" xmlns="" w="9525">
+                  <a14:hiddenLine xmlns="" xmlns:a14="http://schemas.microsoft.com/office/drawing/2010/main" w="9525">
                     <a:solidFill>
                       <a:srgbClr val="000000"/>
                     </a:solidFill>
@@ -10617,7 +10624,7 @@
               </a:ln>
               <a:extLst>
                 <a:ext uri="{91240B29-F687-4f45-9708-019B960494DF}">
-                  <a14:hiddenLine xmlns:a14="http://schemas.microsoft.com/office/drawing/2010/main" xmlns="" w="9525">
+                  <a14:hiddenLine xmlns="" xmlns:a14="http://schemas.microsoft.com/office/drawing/2010/main" w="9525">
                     <a:solidFill>
                       <a:srgbClr val="000000"/>
                     </a:solidFill>
@@ -10707,7 +10714,7 @@
               </a:ln>
               <a:extLst>
                 <a:ext uri="{91240B29-F687-4f45-9708-019B960494DF}">
-                  <a14:hiddenLine xmlns:a14="http://schemas.microsoft.com/office/drawing/2010/main" xmlns="" w="9525">
+                  <a14:hiddenLine xmlns="" xmlns:a14="http://schemas.microsoft.com/office/drawing/2010/main" w="9525">
                     <a:solidFill>
                       <a:srgbClr val="000000"/>
                     </a:solidFill>
@@ -10797,7 +10804,7 @@
               </a:ln>
               <a:extLst>
                 <a:ext uri="{91240B29-F687-4f45-9708-019B960494DF}">
-                  <a14:hiddenLine xmlns:a14="http://schemas.microsoft.com/office/drawing/2010/main" xmlns="" w="9525">
+                  <a14:hiddenLine xmlns="" xmlns:a14="http://schemas.microsoft.com/office/drawing/2010/main" w="9525">
                     <a:solidFill>
                       <a:srgbClr val="000000"/>
                     </a:solidFill>
@@ -10862,7 +10869,7 @@
               </a:ln>
               <a:extLst>
                 <a:ext uri="{91240B29-F687-4f45-9708-019B960494DF}">
-                  <a14:hiddenLine xmlns:a14="http://schemas.microsoft.com/office/drawing/2010/main" xmlns="" w="9525">
+                  <a14:hiddenLine xmlns="" xmlns:a14="http://schemas.microsoft.com/office/drawing/2010/main" w="9525">
                     <a:solidFill>
                       <a:srgbClr val="000000"/>
                     </a:solidFill>
@@ -10982,7 +10989,7 @@
               </a:ln>
               <a:extLst>
                 <a:ext uri="{91240B29-F687-4f45-9708-019B960494DF}">
-                  <a14:hiddenLine xmlns:a14="http://schemas.microsoft.com/office/drawing/2010/main" xmlns="" w="9525">
+                  <a14:hiddenLine xmlns="" xmlns:a14="http://schemas.microsoft.com/office/drawing/2010/main" w="9525">
                     <a:solidFill>
                       <a:srgbClr val="000000"/>
                     </a:solidFill>
@@ -11080,7 +11087,7 @@
               </a:ln>
               <a:extLst>
                 <a:ext uri="{91240B29-F687-4f45-9708-019B960494DF}">
-                  <a14:hiddenLine xmlns:a14="http://schemas.microsoft.com/office/drawing/2010/main" xmlns="" w="9525">
+                  <a14:hiddenLine xmlns="" xmlns:a14="http://schemas.microsoft.com/office/drawing/2010/main" w="9525">
                     <a:solidFill>
                       <a:srgbClr val="000000"/>
                     </a:solidFill>
@@ -11195,7 +11202,7 @@
               </a:ln>
               <a:extLst>
                 <a:ext uri="{91240B29-F687-4f45-9708-019B960494DF}">
-                  <a14:hiddenLine xmlns:a14="http://schemas.microsoft.com/office/drawing/2010/main" xmlns="" w="9525">
+                  <a14:hiddenLine xmlns="" xmlns:a14="http://schemas.microsoft.com/office/drawing/2010/main" w="9525">
                     <a:solidFill>
                       <a:srgbClr val="000000"/>
                     </a:solidFill>
@@ -11285,7 +11292,7 @@
               </a:ln>
               <a:extLst>
                 <a:ext uri="{91240B29-F687-4f45-9708-019B960494DF}">
-                  <a14:hiddenLine xmlns:a14="http://schemas.microsoft.com/office/drawing/2010/main" xmlns="" w="9525">
+                  <a14:hiddenLine xmlns="" xmlns:a14="http://schemas.microsoft.com/office/drawing/2010/main" w="9525">
                     <a:solidFill>
                       <a:srgbClr val="000000"/>
                     </a:solidFill>
@@ -11350,7 +11357,7 @@
               </a:ln>
               <a:extLst>
                 <a:ext uri="{91240B29-F687-4f45-9708-019B960494DF}">
-                  <a14:hiddenLine xmlns:a14="http://schemas.microsoft.com/office/drawing/2010/main" xmlns="" w="9525">
+                  <a14:hiddenLine xmlns="" xmlns:a14="http://schemas.microsoft.com/office/drawing/2010/main" w="9525">
                     <a:solidFill>
                       <a:srgbClr val="000000"/>
                     </a:solidFill>
@@ -11440,7 +11447,7 @@
               </a:ln>
               <a:extLst>
                 <a:ext uri="{91240B29-F687-4f45-9708-019B960494DF}">
-                  <a14:hiddenLine xmlns:a14="http://schemas.microsoft.com/office/drawing/2010/main" xmlns="" w="9525">
+                  <a14:hiddenLine xmlns="" xmlns:a14="http://schemas.microsoft.com/office/drawing/2010/main" w="9525">
                     <a:solidFill>
                       <a:srgbClr val="000000"/>
                     </a:solidFill>
@@ -11508,7 +11515,7 @@
               </a:ln>
               <a:extLst>
                 <a:ext uri="{91240B29-F687-4f45-9708-019B960494DF}">
-                  <a14:hiddenLine xmlns:a14="http://schemas.microsoft.com/office/drawing/2010/main" xmlns="" w="9525">
+                  <a14:hiddenLine xmlns="" xmlns:a14="http://schemas.microsoft.com/office/drawing/2010/main" w="9525">
                     <a:solidFill>
                       <a:srgbClr val="000000"/>
                     </a:solidFill>
@@ -11598,7 +11605,7 @@
               </a:ln>
               <a:extLst>
                 <a:ext uri="{91240B29-F687-4f45-9708-019B960494DF}">
-                  <a14:hiddenLine xmlns:a14="http://schemas.microsoft.com/office/drawing/2010/main" xmlns="" w="9525">
+                  <a14:hiddenLine xmlns="" xmlns:a14="http://schemas.microsoft.com/office/drawing/2010/main" w="9525">
                     <a:solidFill>
                       <a:srgbClr val="000000"/>
                     </a:solidFill>
@@ -11666,7 +11673,7 @@
               </a:ln>
               <a:extLst>
                 <a:ext uri="{91240B29-F687-4f45-9708-019B960494DF}">
-                  <a14:hiddenLine xmlns:a14="http://schemas.microsoft.com/office/drawing/2010/main" xmlns="" w="9525">
+                  <a14:hiddenLine xmlns="" xmlns:a14="http://schemas.microsoft.com/office/drawing/2010/main" w="9525">
                     <a:solidFill>
                       <a:srgbClr val="000000"/>
                     </a:solidFill>
@@ -11756,7 +11763,7 @@
               </a:ln>
               <a:extLst>
                 <a:ext uri="{91240B29-F687-4f45-9708-019B960494DF}">
-                  <a14:hiddenLine xmlns:a14="http://schemas.microsoft.com/office/drawing/2010/main" xmlns="" w="9525">
+                  <a14:hiddenLine xmlns="" xmlns:a14="http://schemas.microsoft.com/office/drawing/2010/main" w="9525">
                     <a:solidFill>
                       <a:srgbClr val="000000"/>
                     </a:solidFill>
@@ -11790,7 +11797,7 @@
               </a:ln>
               <a:extLst>
                 <a:ext uri="{91240B29-F687-4f45-9708-019B960494DF}">
-                  <a14:hiddenLine xmlns:a14="http://schemas.microsoft.com/office/drawing/2010/main" xmlns="" w="9525">
+                  <a14:hiddenLine xmlns="" xmlns:a14="http://schemas.microsoft.com/office/drawing/2010/main" w="9525">
                     <a:solidFill>
                       <a:srgbClr val="000000"/>
                     </a:solidFill>
@@ -11931,7 +11938,7 @@
             <a:fld id="{48A87A34-81AB-432B-8DAE-1953F412C126}" type="datetimeFigureOut">
               <a:rPr lang="en-US" dirty="0"/>
               <a:pPr/>
-              <a:t>3/21/2020</a:t>
+              <a:t>4/11/2020</a:t>
             </a:fld>
             <a:endParaRPr lang="en-US" dirty="0"/>
           </a:p>
@@ -12878,58 +12885,19 @@
         </p:nvSpPr>
         <p:spPr>
           <a:xfrm>
-            <a:off x="806874" y="552220"/>
-            <a:ext cx="4010452" cy="640962"/>
+            <a:off x="1304014" y="0"/>
+            <a:ext cx="4892878" cy="640962"/>
           </a:xfrm>
         </p:spPr>
         <p:txBody>
-          <a:bodyPr/>
+          <a:bodyPr>
+            <a:normAutofit fontScale="90000"/>
+          </a:bodyPr>
           <a:lstStyle/>
           <a:p>
             <a:r>
               <a:rPr lang="en-US" dirty="0"/>
-              <a:t>Model SELECTION</a:t>
-            </a:r>
-          </a:p>
-        </p:txBody>
-      </p:sp>
-      <p:sp>
-        <p:nvSpPr>
-          <p:cNvPr id="3" name="Text Placeholder 2">
-            <a:extLst>
-              <a:ext uri="{FF2B5EF4-FFF2-40B4-BE49-F238E27FC236}">
-                <a16:creationId xmlns:a16="http://schemas.microsoft.com/office/drawing/2014/main" id="{59DA5C5D-E54A-41A1-8F62-04999FBA5F95}"/>
-              </a:ext>
-            </a:extLst>
-          </p:cNvPr>
-          <p:cNvSpPr>
-            <a:spLocks noGrp="1"/>
-          </p:cNvSpPr>
-          <p:nvPr>
-            <p:ph type="body" idx="1"/>
-          </p:nvPr>
-        </p:nvSpPr>
-        <p:spPr>
-          <a:xfrm>
-            <a:off x="1035483" y="1193183"/>
-            <a:ext cx="4649783" cy="823912"/>
-          </a:xfrm>
-        </p:spPr>
-        <p:txBody>
-          <a:bodyPr/>
-          <a:lstStyle/>
-          <a:p>
-            <a:r>
-              <a:rPr lang="en-US" dirty="0"/>
-              <a:t>ARMA(9,1): </a:t>
-            </a:r>
-            <a:r>
-              <a:rPr lang="en-US" dirty="0" err="1"/>
-              <a:t>FavoreD</a:t>
-            </a:r>
-            <a:r>
-              <a:rPr lang="en-US" dirty="0"/>
-              <a:t> by BIC</a:t>
+              <a:t>Model SELECTION: ARUMA</a:t>
             </a:r>
           </a:p>
         </p:txBody>
@@ -12952,12 +12920,14 @@
         </p:nvSpPr>
         <p:spPr>
           <a:xfrm>
-            <a:off x="6263639" y="1375183"/>
-            <a:ext cx="4892878" cy="810218"/>
+            <a:off x="1304014" y="640962"/>
+            <a:ext cx="4892878" cy="473576"/>
           </a:xfrm>
         </p:spPr>
         <p:txBody>
-          <a:bodyPr/>
+          <a:bodyPr>
+            <a:normAutofit/>
+          </a:bodyPr>
           <a:lstStyle/>
           <a:p>
             <a:r>
@@ -12969,65 +12939,73 @@
       </p:sp>
       <p:sp>
         <p:nvSpPr>
-          <p:cNvPr id="6" name="Content Placeholder 5">
+          <p:cNvPr id="8" name="TextBox 7">
             <a:extLst>
               <a:ext uri="{FF2B5EF4-FFF2-40B4-BE49-F238E27FC236}">
-                <a16:creationId xmlns:a16="http://schemas.microsoft.com/office/drawing/2014/main" id="{5D6CF5B8-C7D3-4D4C-BE5A-F704422F3F6C}"/>
+                <a16:creationId xmlns:a16="http://schemas.microsoft.com/office/drawing/2014/main" id="{BECEBAAA-0F64-488B-ADDB-5DC5340213A9}"/>
               </a:ext>
             </a:extLst>
           </p:cNvPr>
-          <p:cNvSpPr>
-            <a:spLocks noGrp="1"/>
-          </p:cNvSpPr>
-          <p:nvPr>
-            <p:ph sz="quarter" idx="4"/>
-          </p:nvPr>
+          <p:cNvSpPr txBox="1"/>
+          <p:nvPr/>
         </p:nvSpPr>
         <p:spPr>
           <a:xfrm>
-            <a:off x="6175380" y="2185401"/>
-            <a:ext cx="4875210" cy="2717801"/>
+            <a:off x="1470990" y="1114538"/>
+            <a:ext cx="5701085" cy="830997"/>
           </a:xfrm>
+          <a:prstGeom prst="rect">
+            <a:avLst/>
+          </a:prstGeom>
+          <a:noFill/>
         </p:spPr>
         <p:txBody>
-          <a:bodyPr/>
+          <a:bodyPr wrap="square" rtlCol="0">
+            <a:spAutoFit/>
+          </a:bodyPr>
           <a:lstStyle/>
           <a:p>
-            <a:endParaRPr lang="en-US" dirty="0"/>
-          </a:p>
-        </p:txBody>
-      </p:sp>
-      <p:sp>
-        <p:nvSpPr>
-          <p:cNvPr id="10" name="Content Placeholder 9">
-            <a:extLst>
-              <a:ext uri="{FF2B5EF4-FFF2-40B4-BE49-F238E27FC236}">
-                <a16:creationId xmlns:a16="http://schemas.microsoft.com/office/drawing/2014/main" id="{41A8DFEA-4277-4BC2-A466-DDF2045C1990}"/>
-              </a:ext>
-            </a:extLst>
-          </p:cNvPr>
-          <p:cNvSpPr>
-            <a:spLocks noGrp="1"/>
-          </p:cNvSpPr>
-          <p:nvPr>
-            <p:ph sz="half" idx="2"/>
-          </p:nvPr>
-        </p:nvSpPr>
-        <p:spPr/>
-        <p:txBody>
-          <a:bodyPr/>
-          <a:lstStyle/>
-          <a:p>
-            <a:endParaRPr lang="en-US" dirty="0"/>
+            <a:r>
+              <a:rPr lang="en-US" sz="1600" dirty="0"/>
+              <a:t>Transformation:</a:t>
+            </a:r>
+          </a:p>
+          <a:p>
+            <a:pPr marL="285750" indent="-285750">
+              <a:buFont typeface="Arial" panose="020B0604020202020204" pitchFamily="34" charset="0"/>
+              <a:buChar char="•"/>
+            </a:pPr>
+            <a:r>
+              <a:rPr lang="en-US" sz="1600" dirty="0"/>
+              <a:t>Taking 7</a:t>
+            </a:r>
+            <a:r>
+              <a:rPr lang="en-US" sz="1600" baseline="30000" dirty="0"/>
+              <a:t>th</a:t>
+            </a:r>
+            <a:r>
+              <a:rPr lang="en-US" sz="1600" dirty="0"/>
+              <a:t> Order Difference to Model Seasonality</a:t>
+            </a:r>
+          </a:p>
+          <a:p>
+            <a:pPr marL="285750" indent="-285750">
+              <a:buFont typeface="Arial" panose="020B0604020202020204" pitchFamily="34" charset="0"/>
+              <a:buChar char="•"/>
+            </a:pPr>
+            <a:r>
+              <a:rPr lang="en-US" sz="1600" dirty="0"/>
+              <a:t>Further modeling still required </a:t>
+            </a:r>
           </a:p>
         </p:txBody>
       </p:sp>
       <p:pic>
         <p:nvPicPr>
-          <p:cNvPr id="11" name="Picture 10">
+          <p:cNvPr id="13" name="Picture 12">
             <a:extLst>
               <a:ext uri="{FF2B5EF4-FFF2-40B4-BE49-F238E27FC236}">
-                <a16:creationId xmlns:a16="http://schemas.microsoft.com/office/drawing/2014/main" id="{F0CA8AEE-6E9D-4E42-90DF-88B14F0ACA20}"/>
+                <a16:creationId xmlns:a16="http://schemas.microsoft.com/office/drawing/2014/main" id="{CC0C455E-FE5E-4A93-A988-C3292819A121}"/>
               </a:ext>
             </a:extLst>
           </p:cNvPr>
@@ -13044,20 +13022,65 @@
         </p:blipFill>
         <p:spPr>
           <a:xfrm>
-            <a:off x="381262" y="2185401"/>
-            <a:ext cx="5255833" cy="2221978"/>
+            <a:off x="6655242" y="704610"/>
+            <a:ext cx="3360875" cy="1901372"/>
           </a:xfrm>
           <a:prstGeom prst="rect">
             <a:avLst/>
           </a:prstGeom>
         </p:spPr>
       </p:pic>
+      <p:sp>
+        <p:nvSpPr>
+          <p:cNvPr id="15" name="TextBox 14">
+            <a:extLst>
+              <a:ext uri="{FF2B5EF4-FFF2-40B4-BE49-F238E27FC236}">
+                <a16:creationId xmlns:a16="http://schemas.microsoft.com/office/drawing/2014/main" id="{8C466DD9-D38A-470F-B32F-4F5809A55FF7}"/>
+              </a:ext>
+            </a:extLst>
+          </p:cNvPr>
+          <p:cNvSpPr txBox="1"/>
+          <p:nvPr/>
+        </p:nvSpPr>
+        <p:spPr>
+          <a:xfrm>
+            <a:off x="1470989" y="1986131"/>
+            <a:ext cx="4436829" cy="1077218"/>
+          </a:xfrm>
+          <a:prstGeom prst="rect">
+            <a:avLst/>
+          </a:prstGeom>
+          <a:noFill/>
+        </p:spPr>
+        <p:txBody>
+          <a:bodyPr wrap="square" rtlCol="0">
+            <a:spAutoFit/>
+          </a:bodyPr>
+          <a:lstStyle/>
+          <a:p>
+            <a:r>
+              <a:rPr lang="en-US" sz="1600" dirty="0"/>
+              <a:t>Factor Table:</a:t>
+            </a:r>
+          </a:p>
+          <a:p>
+            <a:pPr marL="285750" indent="-285750">
+              <a:buFont typeface="Arial" panose="020B0604020202020204" pitchFamily="34" charset="0"/>
+              <a:buChar char="•"/>
+            </a:pPr>
+            <a:r>
+              <a:rPr lang="en-US" sz="1600" dirty="0"/>
+              <a:t>The ARMA(5,7) modeling of the differenced series has a factor table that captures our known system frequencies fairly well</a:t>
+            </a:r>
+          </a:p>
+        </p:txBody>
+      </p:sp>
       <p:pic>
         <p:nvPicPr>
-          <p:cNvPr id="12" name="Picture 11">
+          <p:cNvPr id="16" name="Picture 15">
             <a:extLst>
               <a:ext uri="{FF2B5EF4-FFF2-40B4-BE49-F238E27FC236}">
-                <a16:creationId xmlns:a16="http://schemas.microsoft.com/office/drawing/2014/main" id="{E3B87DCD-B140-49DA-8EC2-587EEC6E5C13}"/>
+                <a16:creationId xmlns:a16="http://schemas.microsoft.com/office/drawing/2014/main" id="{B4B105EC-AD1D-42C5-9771-4BA8CE8DCB95}"/>
               </a:ext>
             </a:extLst>
           </p:cNvPr>
@@ -13074,14 +13097,97 @@
         </p:blipFill>
         <p:spPr>
           <a:xfrm>
-            <a:off x="5726007" y="2180984"/>
-            <a:ext cx="6084731" cy="2421216"/>
+            <a:off x="5907818" y="2743199"/>
+            <a:ext cx="4931847" cy="1133102"/>
           </a:xfrm>
           <a:prstGeom prst="rect">
             <a:avLst/>
           </a:prstGeom>
         </p:spPr>
       </p:pic>
+      <p:pic>
+        <p:nvPicPr>
+          <p:cNvPr id="17" name="Picture 16">
+            <a:extLst>
+              <a:ext uri="{FF2B5EF4-FFF2-40B4-BE49-F238E27FC236}">
+                <a16:creationId xmlns:a16="http://schemas.microsoft.com/office/drawing/2014/main" id="{F409E331-E116-43BD-ABA6-D0A01257CEDA}"/>
+              </a:ext>
+            </a:extLst>
+          </p:cNvPr>
+          <p:cNvPicPr>
+            <a:picLocks noChangeAspect="1"/>
+          </p:cNvPicPr>
+          <p:nvPr/>
+        </p:nvPicPr>
+        <p:blipFill>
+          <a:blip r:embed="rId4"/>
+          <a:stretch>
+            <a:fillRect/>
+          </a:stretch>
+        </p:blipFill>
+        <p:spPr>
+          <a:xfrm>
+            <a:off x="5907818" y="4013518"/>
+            <a:ext cx="4566698" cy="2592396"/>
+          </a:xfrm>
+          <a:prstGeom prst="rect">
+            <a:avLst/>
+          </a:prstGeom>
+        </p:spPr>
+      </p:pic>
+      <p:sp>
+        <p:nvSpPr>
+          <p:cNvPr id="18" name="TextBox 17">
+            <a:extLst>
+              <a:ext uri="{FF2B5EF4-FFF2-40B4-BE49-F238E27FC236}">
+                <a16:creationId xmlns:a16="http://schemas.microsoft.com/office/drawing/2014/main" id="{5009ECD8-F563-46C4-BA9F-0FA83C1FE48C}"/>
+              </a:ext>
+            </a:extLst>
+          </p:cNvPr>
+          <p:cNvSpPr txBox="1"/>
+          <p:nvPr/>
+        </p:nvSpPr>
+        <p:spPr>
+          <a:xfrm>
+            <a:off x="1352335" y="3876301"/>
+            <a:ext cx="4436829" cy="1569660"/>
+          </a:xfrm>
+          <a:prstGeom prst="rect">
+            <a:avLst/>
+          </a:prstGeom>
+          <a:noFill/>
+        </p:spPr>
+        <p:txBody>
+          <a:bodyPr wrap="square" rtlCol="0">
+            <a:spAutoFit/>
+          </a:bodyPr>
+          <a:lstStyle/>
+          <a:p>
+            <a:r>
+              <a:rPr lang="en-US" sz="1600" dirty="0"/>
+              <a:t>Residuals:</a:t>
+            </a:r>
+          </a:p>
+          <a:p>
+            <a:pPr marL="285750" indent="-285750">
+              <a:buFont typeface="Arial" panose="020B0604020202020204" pitchFamily="34" charset="0"/>
+              <a:buChar char="•"/>
+            </a:pPr>
+            <a:r>
+              <a:rPr lang="en-US" sz="1600" dirty="0"/>
+              <a:t>Although the residuals fail the </a:t>
+            </a:r>
+            <a:r>
+              <a:rPr lang="en-US" sz="1600" dirty="0" err="1"/>
+              <a:t>Ljeung</a:t>
+            </a:r>
+            <a:r>
+              <a:rPr lang="en-US" sz="1600" dirty="0"/>
+              <a:t>-Box test, the ACF plots and spectral density of the residuals appear to be white noise. All autocorrelations past lag 1 are zero and the resulting spectral density appears random.</a:t>
+            </a:r>
+          </a:p>
+        </p:txBody>
+      </p:sp>
     </p:spTree>
     <p:extLst>
       <p:ext uri="{BB962C8B-B14F-4D97-AF65-F5344CB8AC3E}">
@@ -13096,6 +13202,812 @@
 </file>
 
 <file path=ppt/slides/slide4.xml><?xml version="1.0" encoding="utf-8"?>
+<p:sld xmlns:a="http://schemas.openxmlformats.org/drawingml/2006/main" xmlns:r="http://schemas.openxmlformats.org/officeDocument/2006/relationships" xmlns:p="http://schemas.openxmlformats.org/presentationml/2006/main">
+  <p:cSld>
+    <p:spTree>
+      <p:nvGrpSpPr>
+        <p:cNvPr id="1" name=""/>
+        <p:cNvGrpSpPr/>
+        <p:nvPr/>
+      </p:nvGrpSpPr>
+      <p:grpSpPr>
+        <a:xfrm>
+          <a:off x="0" y="0"/>
+          <a:ext cx="0" cy="0"/>
+          <a:chOff x="0" y="0"/>
+          <a:chExt cx="0" cy="0"/>
+        </a:xfrm>
+      </p:grpSpPr>
+      <p:sp>
+        <p:nvSpPr>
+          <p:cNvPr id="2" name="Title 1">
+            <a:extLst>
+              <a:ext uri="{FF2B5EF4-FFF2-40B4-BE49-F238E27FC236}">
+                <a16:creationId xmlns:a16="http://schemas.microsoft.com/office/drawing/2014/main" id="{4D67E269-8E7B-4D47-9AB1-900E74A91B48}"/>
+              </a:ext>
+            </a:extLst>
+          </p:cNvPr>
+          <p:cNvSpPr>
+            <a:spLocks noGrp="1"/>
+          </p:cNvSpPr>
+          <p:nvPr>
+            <p:ph type="title"/>
+          </p:nvPr>
+        </p:nvSpPr>
+        <p:spPr>
+          <a:xfrm>
+            <a:off x="1304014" y="0"/>
+            <a:ext cx="4892878" cy="640962"/>
+          </a:xfrm>
+        </p:spPr>
+        <p:txBody>
+          <a:bodyPr>
+            <a:normAutofit/>
+          </a:bodyPr>
+          <a:lstStyle/>
+          <a:p>
+            <a:r>
+              <a:rPr lang="en-US" dirty="0">
+                <a:latin typeface="+mn-lt"/>
+              </a:rPr>
+              <a:t>Model</a:t>
+            </a:r>
+            <a:r>
+              <a:rPr lang="en-US" dirty="0"/>
+              <a:t> SELECTION: VAR</a:t>
+            </a:r>
+          </a:p>
+        </p:txBody>
+      </p:sp>
+      <p:sp>
+        <p:nvSpPr>
+          <p:cNvPr id="5" name="Text Placeholder 4">
+            <a:extLst>
+              <a:ext uri="{FF2B5EF4-FFF2-40B4-BE49-F238E27FC236}">
+                <a16:creationId xmlns:a16="http://schemas.microsoft.com/office/drawing/2014/main" id="{27C6730B-4D73-4DC0-AD69-262093BC9C9B}"/>
+              </a:ext>
+            </a:extLst>
+          </p:cNvPr>
+          <p:cNvSpPr>
+            <a:spLocks noGrp="1"/>
+          </p:cNvSpPr>
+          <p:nvPr>
+            <p:ph type="body" sz="quarter" idx="3"/>
+          </p:nvPr>
+        </p:nvSpPr>
+        <p:spPr>
+          <a:xfrm>
+            <a:off x="1304015" y="0"/>
+            <a:ext cx="5332456" cy="1574359"/>
+          </a:xfrm>
+        </p:spPr>
+        <p:txBody>
+          <a:bodyPr>
+            <a:noAutofit/>
+          </a:bodyPr>
+          <a:lstStyle/>
+          <a:p>
+            <a:r>
+              <a:rPr lang="en-US" sz="1100" dirty="0">
+                <a:solidFill>
+                  <a:srgbClr val="FFFF00"/>
+                </a:solidFill>
+              </a:rPr>
+              <a:t>Including the following features:</a:t>
+            </a:r>
+          </a:p>
+          <a:p>
+            <a:pPr marL="171450" indent="-171450">
+              <a:buFont typeface="Arial" panose="020B0604020202020204" pitchFamily="34" charset="0"/>
+              <a:buChar char="•"/>
+            </a:pPr>
+            <a:r>
+              <a:rPr lang="en-US" sz="1100" dirty="0">
+                <a:solidFill>
+                  <a:srgbClr val="FFFF00"/>
+                </a:solidFill>
+              </a:rPr>
+              <a:t>Time, </a:t>
+            </a:r>
+            <a:r>
+              <a:rPr lang="en-US" sz="1100" dirty="0" err="1">
+                <a:solidFill>
+                  <a:srgbClr val="FFFF00"/>
+                </a:solidFill>
+              </a:rPr>
+              <a:t>Prior_week_trAnsactions</a:t>
+            </a:r>
+            <a:r>
+              <a:rPr lang="en-US" sz="1100" dirty="0">
+                <a:solidFill>
+                  <a:srgbClr val="FFFF00"/>
+                </a:solidFill>
+              </a:rPr>
+              <a:t> (numeric), </a:t>
+            </a:r>
+            <a:r>
+              <a:rPr lang="en-US" sz="1100" dirty="0" err="1">
+                <a:solidFill>
+                  <a:srgbClr val="FFFF00"/>
+                </a:solidFill>
+              </a:rPr>
+              <a:t>Prior_YEAR_trAnsactions</a:t>
+            </a:r>
+            <a:r>
+              <a:rPr lang="en-US" sz="1100" dirty="0">
+                <a:solidFill>
+                  <a:srgbClr val="FFFF00"/>
+                </a:solidFill>
+              </a:rPr>
+              <a:t> (numeric), </a:t>
+            </a:r>
+            <a:r>
+              <a:rPr lang="en-US" sz="1100" dirty="0" err="1">
+                <a:solidFill>
+                  <a:srgbClr val="FFFF00"/>
+                </a:solidFill>
+              </a:rPr>
+              <a:t>Prior_week_panel_sales</a:t>
+            </a:r>
+            <a:r>
+              <a:rPr lang="en-US" sz="1100" dirty="0">
+                <a:solidFill>
+                  <a:srgbClr val="FFFF00"/>
+                </a:solidFill>
+              </a:rPr>
+              <a:t> (numeric), </a:t>
+            </a:r>
+            <a:r>
+              <a:rPr lang="en-US" sz="1100" dirty="0" err="1">
+                <a:solidFill>
+                  <a:srgbClr val="FFFF00"/>
+                </a:solidFill>
+              </a:rPr>
+              <a:t>Prior_YEAR_panel_sales</a:t>
+            </a:r>
+            <a:r>
+              <a:rPr lang="en-US" sz="1100" dirty="0">
+                <a:solidFill>
+                  <a:srgbClr val="FFFF00"/>
+                </a:solidFill>
+              </a:rPr>
+              <a:t> (numeric), DAY_OF_WEEK (categorical)</a:t>
+            </a:r>
+          </a:p>
+          <a:p>
+            <a:pPr marL="171450" indent="-171450">
+              <a:buFont typeface="Arial" panose="020B0604020202020204" pitchFamily="34" charset="0"/>
+              <a:buChar char="•"/>
+            </a:pPr>
+            <a:endParaRPr lang="en-US" sz="1100" dirty="0"/>
+          </a:p>
+        </p:txBody>
+      </p:sp>
+      <p:sp>
+        <p:nvSpPr>
+          <p:cNvPr id="3" name="TextBox 2">
+            <a:extLst>
+              <a:ext uri="{FF2B5EF4-FFF2-40B4-BE49-F238E27FC236}">
+                <a16:creationId xmlns:a16="http://schemas.microsoft.com/office/drawing/2014/main" id="{96C50594-3FBD-4B30-A1B6-4BF2F014D065}"/>
+              </a:ext>
+            </a:extLst>
+          </p:cNvPr>
+          <p:cNvSpPr txBox="1"/>
+          <p:nvPr/>
+        </p:nvSpPr>
+        <p:spPr>
+          <a:xfrm>
+            <a:off x="1391477" y="1389693"/>
+            <a:ext cx="5478449" cy="369332"/>
+          </a:xfrm>
+          <a:prstGeom prst="rect">
+            <a:avLst/>
+          </a:prstGeom>
+          <a:noFill/>
+        </p:spPr>
+        <p:txBody>
+          <a:bodyPr wrap="square" rtlCol="0">
+            <a:spAutoFit/>
+          </a:bodyPr>
+          <a:lstStyle/>
+          <a:p>
+            <a:r>
+              <a:rPr lang="en-US" dirty="0"/>
+              <a:t>Build a GLM with the new set of exogeneous variables</a:t>
+            </a:r>
+          </a:p>
+        </p:txBody>
+      </p:sp>
+      <p:pic>
+        <p:nvPicPr>
+          <p:cNvPr id="4" name="Picture 3">
+            <a:extLst>
+              <a:ext uri="{FF2B5EF4-FFF2-40B4-BE49-F238E27FC236}">
+                <a16:creationId xmlns:a16="http://schemas.microsoft.com/office/drawing/2014/main" id="{3AAFA3FA-3703-4331-A103-E7D344484684}"/>
+              </a:ext>
+            </a:extLst>
+          </p:cNvPr>
+          <p:cNvPicPr>
+            <a:picLocks noChangeAspect="1"/>
+          </p:cNvPicPr>
+          <p:nvPr/>
+        </p:nvPicPr>
+        <p:blipFill>
+          <a:blip r:embed="rId2"/>
+          <a:stretch>
+            <a:fillRect/>
+          </a:stretch>
+        </p:blipFill>
+        <p:spPr>
+          <a:xfrm>
+            <a:off x="6636471" y="113884"/>
+            <a:ext cx="3994329" cy="2551618"/>
+          </a:xfrm>
+          <a:prstGeom prst="rect">
+            <a:avLst/>
+          </a:prstGeom>
+        </p:spPr>
+      </p:pic>
+      <p:sp>
+        <p:nvSpPr>
+          <p:cNvPr id="12" name="TextBox 11">
+            <a:extLst>
+              <a:ext uri="{FF2B5EF4-FFF2-40B4-BE49-F238E27FC236}">
+                <a16:creationId xmlns:a16="http://schemas.microsoft.com/office/drawing/2014/main" id="{85621AA0-253E-4CE0-AB99-C5663D7D4BD0}"/>
+              </a:ext>
+            </a:extLst>
+          </p:cNvPr>
+          <p:cNvSpPr txBox="1"/>
+          <p:nvPr/>
+        </p:nvSpPr>
+        <p:spPr>
+          <a:xfrm>
+            <a:off x="410715" y="1736307"/>
+            <a:ext cx="5685285" cy="2862322"/>
+          </a:xfrm>
+          <a:prstGeom prst="rect">
+            <a:avLst/>
+          </a:prstGeom>
+          <a:noFill/>
+        </p:spPr>
+        <p:txBody>
+          <a:bodyPr wrap="square" rtlCol="0">
+            <a:spAutoFit/>
+          </a:bodyPr>
+          <a:lstStyle/>
+          <a:p>
+            <a:r>
+              <a:rPr lang="en-US" dirty="0"/>
+              <a:t>Model the Residuals as AR Process </a:t>
+            </a:r>
+          </a:p>
+          <a:p>
+            <a:pPr marL="285750" indent="-285750">
+              <a:buFont typeface="Arial" panose="020B0604020202020204" pitchFamily="34" charset="0"/>
+              <a:buChar char="•"/>
+            </a:pPr>
+            <a:r>
+              <a:rPr lang="en-US" dirty="0"/>
+              <a:t>BIC selected an ARIMA(7,0,1)</a:t>
+            </a:r>
+          </a:p>
+          <a:p>
+            <a:pPr marL="285750" indent="-285750">
+              <a:buFont typeface="Arial" panose="020B0604020202020204" pitchFamily="34" charset="0"/>
+              <a:buChar char="•"/>
+            </a:pPr>
+            <a:r>
+              <a:rPr lang="en-US" dirty="0"/>
+              <a:t>Adding in exogeneous variables makes this an ARIMA-X model</a:t>
+            </a:r>
+          </a:p>
+          <a:p>
+            <a:pPr marL="285750" indent="-285750">
+              <a:buFont typeface="Arial" panose="020B0604020202020204" pitchFamily="34" charset="0"/>
+              <a:buChar char="•"/>
+            </a:pPr>
+            <a:r>
+              <a:rPr lang="en-US" dirty="0"/>
+              <a:t>The transaction count variables (X2/3) are oddly significant</a:t>
+            </a:r>
+          </a:p>
+          <a:p>
+            <a:pPr marL="285750" indent="-285750">
+              <a:buFont typeface="Arial" panose="020B0604020202020204" pitchFamily="34" charset="0"/>
+              <a:buChar char="•"/>
+            </a:pPr>
+            <a:r>
+              <a:rPr lang="en-US" dirty="0"/>
+              <a:t>Variables X6-X11 represent the days of the week (Tues-Sun) and are adjustments to the intercept (Monday)</a:t>
+            </a:r>
+          </a:p>
+          <a:p>
+            <a:endParaRPr lang="en-US" dirty="0"/>
+          </a:p>
+          <a:p>
+            <a:pPr marL="285750" indent="-285750">
+              <a:buFont typeface="Arial" panose="020B0604020202020204" pitchFamily="34" charset="0"/>
+              <a:buChar char="•"/>
+            </a:pPr>
+            <a:endParaRPr lang="en-US" dirty="0"/>
+          </a:p>
+        </p:txBody>
+      </p:sp>
+      <p:pic>
+        <p:nvPicPr>
+          <p:cNvPr id="9" name="Picture 8">
+            <a:extLst>
+              <a:ext uri="{FF2B5EF4-FFF2-40B4-BE49-F238E27FC236}">
+                <a16:creationId xmlns:a16="http://schemas.microsoft.com/office/drawing/2014/main" id="{EA618C3D-C0D0-41F2-8CD9-443D349D165A}"/>
+              </a:ext>
+            </a:extLst>
+          </p:cNvPr>
+          <p:cNvPicPr>
+            <a:picLocks noChangeAspect="1"/>
+          </p:cNvPicPr>
+          <p:nvPr/>
+        </p:nvPicPr>
+        <p:blipFill>
+          <a:blip r:embed="rId3"/>
+          <a:stretch>
+            <a:fillRect/>
+          </a:stretch>
+        </p:blipFill>
+        <p:spPr>
+          <a:xfrm>
+            <a:off x="2844113" y="4342939"/>
+            <a:ext cx="3524327" cy="2057861"/>
+          </a:xfrm>
+          <a:prstGeom prst="rect">
+            <a:avLst/>
+          </a:prstGeom>
+        </p:spPr>
+      </p:pic>
+      <p:sp>
+        <p:nvSpPr>
+          <p:cNvPr id="10" name="TextBox 9">
+            <a:extLst>
+              <a:ext uri="{FF2B5EF4-FFF2-40B4-BE49-F238E27FC236}">
+                <a16:creationId xmlns:a16="http://schemas.microsoft.com/office/drawing/2014/main" id="{53C21FBA-9AB7-459B-987A-678E9CBEAD15}"/>
+              </a:ext>
+            </a:extLst>
+          </p:cNvPr>
+          <p:cNvSpPr txBox="1"/>
+          <p:nvPr/>
+        </p:nvSpPr>
+        <p:spPr>
+          <a:xfrm>
+            <a:off x="618277" y="4299385"/>
+            <a:ext cx="2635080" cy="1200329"/>
+          </a:xfrm>
+          <a:prstGeom prst="rect">
+            <a:avLst/>
+          </a:prstGeom>
+          <a:noFill/>
+        </p:spPr>
+        <p:txBody>
+          <a:bodyPr wrap="square" rtlCol="0">
+            <a:spAutoFit/>
+          </a:bodyPr>
+          <a:lstStyle/>
+          <a:p>
+            <a:r>
+              <a:rPr lang="en-US" dirty="0"/>
+              <a:t>Residual Plots:</a:t>
+            </a:r>
+          </a:p>
+          <a:p>
+            <a:pPr marL="285750" indent="-285750">
+              <a:buFont typeface="Arial" panose="020B0604020202020204" pitchFamily="34" charset="0"/>
+              <a:buChar char="•"/>
+            </a:pPr>
+            <a:r>
+              <a:rPr lang="en-US" dirty="0"/>
+              <a:t>Appear to be white noise</a:t>
+            </a:r>
+          </a:p>
+          <a:p>
+            <a:pPr marL="285750" indent="-285750">
+              <a:buFont typeface="Arial" panose="020B0604020202020204" pitchFamily="34" charset="0"/>
+              <a:buChar char="•"/>
+            </a:pPr>
+            <a:r>
+              <a:rPr lang="en-US" dirty="0"/>
+              <a:t>Fail LB test</a:t>
+            </a:r>
+          </a:p>
+        </p:txBody>
+      </p:sp>
+      <p:pic>
+        <p:nvPicPr>
+          <p:cNvPr id="19" name="Picture 18">
+            <a:extLst>
+              <a:ext uri="{FF2B5EF4-FFF2-40B4-BE49-F238E27FC236}">
+                <a16:creationId xmlns:a16="http://schemas.microsoft.com/office/drawing/2014/main" id="{0C0C418F-A9E3-475B-98EA-C90BF6FBF3C1}"/>
+              </a:ext>
+            </a:extLst>
+          </p:cNvPr>
+          <p:cNvPicPr>
+            <a:picLocks noChangeAspect="1"/>
+          </p:cNvPicPr>
+          <p:nvPr/>
+        </p:nvPicPr>
+        <p:blipFill>
+          <a:blip r:embed="rId4"/>
+          <a:stretch>
+            <a:fillRect/>
+          </a:stretch>
+        </p:blipFill>
+        <p:spPr>
+          <a:xfrm>
+            <a:off x="6339780" y="2779386"/>
+            <a:ext cx="6016214" cy="1769085"/>
+          </a:xfrm>
+          <a:prstGeom prst="rect">
+            <a:avLst/>
+          </a:prstGeom>
+        </p:spPr>
+      </p:pic>
+    </p:spTree>
+    <p:extLst>
+      <p:ext uri="{BB962C8B-B14F-4D97-AF65-F5344CB8AC3E}">
+        <p14:creationId xmlns:p14="http://schemas.microsoft.com/office/powerpoint/2010/main" val="153520932"/>
+      </p:ext>
+    </p:extLst>
+  </p:cSld>
+  <p:clrMapOvr>
+    <a:masterClrMapping/>
+  </p:clrMapOvr>
+</p:sld>
+</file>
+
+<file path=ppt/slides/slide5.xml><?xml version="1.0" encoding="utf-8"?>
+<p:sld xmlns:a="http://schemas.openxmlformats.org/drawingml/2006/main" xmlns:r="http://schemas.openxmlformats.org/officeDocument/2006/relationships" xmlns:p="http://schemas.openxmlformats.org/presentationml/2006/main">
+  <p:cSld>
+    <p:spTree>
+      <p:nvGrpSpPr>
+        <p:cNvPr id="1" name=""/>
+        <p:cNvGrpSpPr/>
+        <p:nvPr/>
+      </p:nvGrpSpPr>
+      <p:grpSpPr>
+        <a:xfrm>
+          <a:off x="0" y="0"/>
+          <a:ext cx="0" cy="0"/>
+          <a:chOff x="0" y="0"/>
+          <a:chExt cx="0" cy="0"/>
+        </a:xfrm>
+      </p:grpSpPr>
+      <p:sp>
+        <p:nvSpPr>
+          <p:cNvPr id="2" name="Title 1">
+            <a:extLst>
+              <a:ext uri="{FF2B5EF4-FFF2-40B4-BE49-F238E27FC236}">
+                <a16:creationId xmlns:a16="http://schemas.microsoft.com/office/drawing/2014/main" id="{4D67E269-8E7B-4D47-9AB1-900E74A91B48}"/>
+              </a:ext>
+            </a:extLst>
+          </p:cNvPr>
+          <p:cNvSpPr>
+            <a:spLocks noGrp="1"/>
+          </p:cNvSpPr>
+          <p:nvPr>
+            <p:ph type="title"/>
+          </p:nvPr>
+        </p:nvSpPr>
+        <p:spPr>
+          <a:xfrm>
+            <a:off x="1304014" y="0"/>
+            <a:ext cx="4892878" cy="640962"/>
+          </a:xfrm>
+        </p:spPr>
+        <p:txBody>
+          <a:bodyPr>
+            <a:normAutofit/>
+          </a:bodyPr>
+          <a:lstStyle/>
+          <a:p>
+            <a:r>
+              <a:rPr lang="en-US" dirty="0">
+                <a:latin typeface="+mn-lt"/>
+              </a:rPr>
+              <a:t>Model</a:t>
+            </a:r>
+            <a:r>
+              <a:rPr lang="en-US" dirty="0"/>
+              <a:t> SELECTION: NN</a:t>
+            </a:r>
+          </a:p>
+        </p:txBody>
+      </p:sp>
+      <p:sp>
+        <p:nvSpPr>
+          <p:cNvPr id="3" name="TextBox 2">
+            <a:extLst>
+              <a:ext uri="{FF2B5EF4-FFF2-40B4-BE49-F238E27FC236}">
+                <a16:creationId xmlns:a16="http://schemas.microsoft.com/office/drawing/2014/main" id="{96C50594-3FBD-4B30-A1B6-4BF2F014D065}"/>
+              </a:ext>
+            </a:extLst>
+          </p:cNvPr>
+          <p:cNvSpPr txBox="1"/>
+          <p:nvPr/>
+        </p:nvSpPr>
+        <p:spPr>
+          <a:xfrm>
+            <a:off x="718443" y="621656"/>
+            <a:ext cx="5478449" cy="923330"/>
+          </a:xfrm>
+          <a:prstGeom prst="rect">
+            <a:avLst/>
+          </a:prstGeom>
+          <a:noFill/>
+        </p:spPr>
+        <p:txBody>
+          <a:bodyPr wrap="square" rtlCol="0">
+            <a:spAutoFit/>
+          </a:bodyPr>
+          <a:lstStyle/>
+          <a:p>
+            <a:r>
+              <a:rPr lang="en-US" dirty="0"/>
+              <a:t>Leveraging the previous example and using instead a NN</a:t>
+            </a:r>
+          </a:p>
+          <a:p>
+            <a:pPr marL="285750" indent="-285750">
+              <a:buFont typeface="Arial" panose="020B0604020202020204" pitchFamily="34" charset="0"/>
+              <a:buChar char="•"/>
+            </a:pPr>
+            <a:r>
+              <a:rPr lang="en-US" dirty="0"/>
+              <a:t>For training purposes, we will fit on a subset of the data</a:t>
+            </a:r>
+          </a:p>
+        </p:txBody>
+      </p:sp>
+      <p:pic>
+        <p:nvPicPr>
+          <p:cNvPr id="4" name="Picture 3">
+            <a:extLst>
+              <a:ext uri="{FF2B5EF4-FFF2-40B4-BE49-F238E27FC236}">
+                <a16:creationId xmlns:a16="http://schemas.microsoft.com/office/drawing/2014/main" id="{3AAFA3FA-3703-4331-A103-E7D344484684}"/>
+              </a:ext>
+            </a:extLst>
+          </p:cNvPr>
+          <p:cNvPicPr>
+            <a:picLocks noChangeAspect="1"/>
+          </p:cNvPicPr>
+          <p:nvPr/>
+        </p:nvPicPr>
+        <p:blipFill>
+          <a:blip r:embed="rId2"/>
+          <a:stretch>
+            <a:fillRect/>
+          </a:stretch>
+        </p:blipFill>
+        <p:spPr>
+          <a:xfrm>
+            <a:off x="6636471" y="113884"/>
+            <a:ext cx="3994329" cy="2551618"/>
+          </a:xfrm>
+          <a:prstGeom prst="rect">
+            <a:avLst/>
+          </a:prstGeom>
+        </p:spPr>
+      </p:pic>
+      <p:sp>
+        <p:nvSpPr>
+          <p:cNvPr id="12" name="TextBox 11">
+            <a:extLst>
+              <a:ext uri="{FF2B5EF4-FFF2-40B4-BE49-F238E27FC236}">
+                <a16:creationId xmlns:a16="http://schemas.microsoft.com/office/drawing/2014/main" id="{85621AA0-253E-4CE0-AB99-C5663D7D4BD0}"/>
+              </a:ext>
+            </a:extLst>
+          </p:cNvPr>
+          <p:cNvSpPr txBox="1"/>
+          <p:nvPr/>
+        </p:nvSpPr>
+        <p:spPr>
+          <a:xfrm>
+            <a:off x="410715" y="1736307"/>
+            <a:ext cx="5685285" cy="2862322"/>
+          </a:xfrm>
+          <a:prstGeom prst="rect">
+            <a:avLst/>
+          </a:prstGeom>
+          <a:noFill/>
+        </p:spPr>
+        <p:txBody>
+          <a:bodyPr wrap="square" rtlCol="0">
+            <a:spAutoFit/>
+          </a:bodyPr>
+          <a:lstStyle/>
+          <a:p>
+            <a:r>
+              <a:rPr lang="en-US" dirty="0"/>
+              <a:t>Model the Residuals as AR Process </a:t>
+            </a:r>
+          </a:p>
+          <a:p>
+            <a:pPr marL="285750" indent="-285750">
+              <a:buFont typeface="Arial" panose="020B0604020202020204" pitchFamily="34" charset="0"/>
+              <a:buChar char="•"/>
+            </a:pPr>
+            <a:r>
+              <a:rPr lang="en-US" dirty="0"/>
+              <a:t>BIC selected an ARIMA(6,0,1)</a:t>
+            </a:r>
+          </a:p>
+          <a:p>
+            <a:pPr marL="285750" indent="-285750">
+              <a:buFont typeface="Arial" panose="020B0604020202020204" pitchFamily="34" charset="0"/>
+              <a:buChar char="•"/>
+            </a:pPr>
+            <a:r>
+              <a:rPr lang="en-US" dirty="0"/>
+              <a:t>Adding in exogeneous variables makes this an ARIMA-X model</a:t>
+            </a:r>
+          </a:p>
+          <a:p>
+            <a:pPr marL="285750" indent="-285750">
+              <a:buFont typeface="Arial" panose="020B0604020202020204" pitchFamily="34" charset="0"/>
+              <a:buChar char="•"/>
+            </a:pPr>
+            <a:r>
+              <a:rPr lang="en-US" dirty="0"/>
+              <a:t>The transaction count variables (X2/3) are oddly significant</a:t>
+            </a:r>
+          </a:p>
+          <a:p>
+            <a:pPr marL="285750" indent="-285750">
+              <a:buFont typeface="Arial" panose="020B0604020202020204" pitchFamily="34" charset="0"/>
+              <a:buChar char="•"/>
+            </a:pPr>
+            <a:r>
+              <a:rPr lang="en-US" dirty="0"/>
+              <a:t>Variables X6-X11 represent the days of the week (Tues-Sun) and are adjustments to the intercept (Monday)</a:t>
+            </a:r>
+          </a:p>
+          <a:p>
+            <a:endParaRPr lang="en-US" dirty="0"/>
+          </a:p>
+          <a:p>
+            <a:pPr marL="285750" indent="-285750">
+              <a:buFont typeface="Arial" panose="020B0604020202020204" pitchFamily="34" charset="0"/>
+              <a:buChar char="•"/>
+            </a:pPr>
+            <a:endParaRPr lang="en-US" dirty="0"/>
+          </a:p>
+        </p:txBody>
+      </p:sp>
+      <p:pic>
+        <p:nvPicPr>
+          <p:cNvPr id="9" name="Picture 8">
+            <a:extLst>
+              <a:ext uri="{FF2B5EF4-FFF2-40B4-BE49-F238E27FC236}">
+                <a16:creationId xmlns:a16="http://schemas.microsoft.com/office/drawing/2014/main" id="{EA618C3D-C0D0-41F2-8CD9-443D349D165A}"/>
+              </a:ext>
+            </a:extLst>
+          </p:cNvPr>
+          <p:cNvPicPr>
+            <a:picLocks noChangeAspect="1"/>
+          </p:cNvPicPr>
+          <p:nvPr/>
+        </p:nvPicPr>
+        <p:blipFill>
+          <a:blip r:embed="rId3"/>
+          <a:stretch>
+            <a:fillRect/>
+          </a:stretch>
+        </p:blipFill>
+        <p:spPr>
+          <a:xfrm>
+            <a:off x="2844113" y="4342939"/>
+            <a:ext cx="3524327" cy="2057861"/>
+          </a:xfrm>
+          <a:prstGeom prst="rect">
+            <a:avLst/>
+          </a:prstGeom>
+        </p:spPr>
+      </p:pic>
+      <p:sp>
+        <p:nvSpPr>
+          <p:cNvPr id="10" name="TextBox 9">
+            <a:extLst>
+              <a:ext uri="{FF2B5EF4-FFF2-40B4-BE49-F238E27FC236}">
+                <a16:creationId xmlns:a16="http://schemas.microsoft.com/office/drawing/2014/main" id="{53C21FBA-9AB7-459B-987A-678E9CBEAD15}"/>
+              </a:ext>
+            </a:extLst>
+          </p:cNvPr>
+          <p:cNvSpPr txBox="1"/>
+          <p:nvPr/>
+        </p:nvSpPr>
+        <p:spPr>
+          <a:xfrm>
+            <a:off x="511607" y="3898647"/>
+            <a:ext cx="2635080" cy="1200329"/>
+          </a:xfrm>
+          <a:prstGeom prst="rect">
+            <a:avLst/>
+          </a:prstGeom>
+          <a:noFill/>
+        </p:spPr>
+        <p:txBody>
+          <a:bodyPr wrap="square" rtlCol="0">
+            <a:spAutoFit/>
+          </a:bodyPr>
+          <a:lstStyle/>
+          <a:p>
+            <a:r>
+              <a:rPr lang="en-US" dirty="0"/>
+              <a:t>Residual Plots:</a:t>
+            </a:r>
+          </a:p>
+          <a:p>
+            <a:pPr marL="285750" indent="-285750">
+              <a:buFont typeface="Arial" panose="020B0604020202020204" pitchFamily="34" charset="0"/>
+              <a:buChar char="•"/>
+            </a:pPr>
+            <a:r>
+              <a:rPr lang="en-US" dirty="0"/>
+              <a:t>Appear to be white noise</a:t>
+            </a:r>
+          </a:p>
+          <a:p>
+            <a:pPr marL="285750" indent="-285750">
+              <a:buFont typeface="Arial" panose="020B0604020202020204" pitchFamily="34" charset="0"/>
+              <a:buChar char="•"/>
+            </a:pPr>
+            <a:r>
+              <a:rPr lang="en-US" dirty="0"/>
+              <a:t>Fail LB test</a:t>
+            </a:r>
+          </a:p>
+        </p:txBody>
+      </p:sp>
+      <p:pic>
+        <p:nvPicPr>
+          <p:cNvPr id="6" name="Picture 5">
+            <a:extLst>
+              <a:ext uri="{FF2B5EF4-FFF2-40B4-BE49-F238E27FC236}">
+                <a16:creationId xmlns:a16="http://schemas.microsoft.com/office/drawing/2014/main" id="{0FB467F8-C98B-424F-ADD3-0D23DE416CF6}"/>
+              </a:ext>
+            </a:extLst>
+          </p:cNvPr>
+          <p:cNvPicPr>
+            <a:picLocks noChangeAspect="1"/>
+          </p:cNvPicPr>
+          <p:nvPr/>
+        </p:nvPicPr>
+        <p:blipFill>
+          <a:blip r:embed="rId4"/>
+          <a:stretch>
+            <a:fillRect/>
+          </a:stretch>
+        </p:blipFill>
+        <p:spPr>
+          <a:xfrm>
+            <a:off x="6096000" y="2729726"/>
+            <a:ext cx="6016214" cy="1769085"/>
+          </a:xfrm>
+          <a:prstGeom prst="rect">
+            <a:avLst/>
+          </a:prstGeom>
+        </p:spPr>
+      </p:pic>
+    </p:spTree>
+    <p:extLst>
+      <p:ext uri="{BB962C8B-B14F-4D97-AF65-F5344CB8AC3E}">
+        <p14:creationId xmlns:p14="http://schemas.microsoft.com/office/powerpoint/2010/main" val="2937327230"/>
+      </p:ext>
+    </p:extLst>
+  </p:cSld>
+  <p:clrMapOvr>
+    <a:masterClrMapping/>
+  </p:clrMapOvr>
+</p:sld>
+</file>
+
+<file path=ppt/slides/slide6.xml><?xml version="1.0" encoding="utf-8"?>
 <p:sld xmlns:a="http://schemas.openxmlformats.org/drawingml/2006/main" xmlns:r="http://schemas.openxmlformats.org/officeDocument/2006/relationships" xmlns:p="http://schemas.openxmlformats.org/presentationml/2006/main">
   <p:cSld>
     <p:spTree>
@@ -13343,7 +14255,7 @@
 </p:sld>
 </file>
 
-<file path=ppt/slides/slide5.xml><?xml version="1.0" encoding="utf-8"?>
+<file path=ppt/slides/slide7.xml><?xml version="1.0" encoding="utf-8"?>
 <p:sld xmlns:a="http://schemas.openxmlformats.org/drawingml/2006/main" xmlns:r="http://schemas.openxmlformats.org/officeDocument/2006/relationships" xmlns:p="http://schemas.openxmlformats.org/presentationml/2006/main">
   <p:cSld>
     <p:spTree>
@@ -13388,7 +14300,7 @@
           <a:p>
             <a:r>
               <a:rPr lang="en-US" dirty="0"/>
-              <a:t>Conclusion / Further ANALYSIS</a:t>
+              <a:t>Conclusion</a:t>
             </a:r>
           </a:p>
         </p:txBody>
@@ -13414,37 +14326,7 @@
           <a:bodyPr/>
           <a:lstStyle/>
           <a:p>
-            <a:r>
-              <a:rPr lang="en-US" dirty="0"/>
-              <a:t>ARMA models appears to capture short term cyclical trends better - but has a shorter useful prediction horizon. Could be useful to try an ARMA(9,0)</a:t>
-            </a:r>
-          </a:p>
-          <a:p>
-            <a:r>
-              <a:rPr lang="en-US" dirty="0"/>
-              <a:t>Further analysis</a:t>
-            </a:r>
-          </a:p>
-          <a:p>
-            <a:pPr lvl="1"/>
-            <a:r>
-              <a:rPr lang="en-US" dirty="0"/>
-              <a:t>Other vendors (pizza, other delivery chains)</a:t>
-            </a:r>
-          </a:p>
-          <a:p>
-            <a:pPr lvl="1"/>
-            <a:r>
-              <a:rPr lang="en-US" dirty="0"/>
-              <a:t>Other verticals (non-restaurant)</a:t>
-            </a:r>
-          </a:p>
-          <a:p>
-            <a:pPr lvl="1"/>
-            <a:r>
-              <a:rPr lang="en-US" dirty="0"/>
-              <a:t>Monthly, weekly aggregation</a:t>
-            </a:r>
+            <a:endParaRPr lang="en-US" dirty="0"/>
           </a:p>
         </p:txBody>
       </p:sp>
